--- a/final_presentation.pptx
+++ b/final_presentation.pptx
@@ -5,19 +5,20 @@
     <p:sldMasterId id="2147483660" r:id="rId1"/>
   </p:sldMasterIdLst>
   <p:notesMasterIdLst>
-    <p:notesMasterId r:id="rId12"/>
+    <p:notesMasterId r:id="rId13"/>
   </p:notesMasterIdLst>
   <p:sldIdLst>
     <p:sldId id="256" r:id="rId2"/>
     <p:sldId id="272" r:id="rId3"/>
     <p:sldId id="273" r:id="rId4"/>
     <p:sldId id="274" r:id="rId5"/>
-    <p:sldId id="275" r:id="rId6"/>
-    <p:sldId id="277" r:id="rId7"/>
-    <p:sldId id="276" r:id="rId8"/>
-    <p:sldId id="278" r:id="rId9"/>
-    <p:sldId id="264" r:id="rId10"/>
-    <p:sldId id="262" r:id="rId11"/>
+    <p:sldId id="279" r:id="rId6"/>
+    <p:sldId id="275" r:id="rId7"/>
+    <p:sldId id="277" r:id="rId8"/>
+    <p:sldId id="276" r:id="rId9"/>
+    <p:sldId id="278" r:id="rId10"/>
+    <p:sldId id="264" r:id="rId11"/>
+    <p:sldId id="262" r:id="rId12"/>
   </p:sldIdLst>
   <p:sldSz cx="12192000" cy="6858000"/>
   <p:notesSz cx="6858000" cy="9144000"/>
@@ -206,7 +207,7 @@
           <a:p>
             <a:fld id="{E6113AA3-5719-7743-B49D-1B3494013C7A}" type="datetimeFigureOut">
               <a:rPr lang="en-US" smtClean="0"/>
-              <a:t>7/31/19</a:t>
+              <a:t>8/1/19</a:t>
             </a:fld>
             <a:endParaRPr lang="en-US"/>
           </a:p>
@@ -629,7 +630,7 @@
           <a:p>
             <a:fld id="{B722305B-3B16-C141-9D10-B33E0E704EC5}" type="slidenum">
               <a:rPr lang="en-US" smtClean="0"/>
-              <a:t>9</a:t>
+              <a:t>10</a:t>
             </a:fld>
             <a:endParaRPr lang="en-US"/>
           </a:p>
@@ -779,7 +780,7 @@
           <a:p>
             <a:fld id="{B117922E-E910-6545-901D-B3B05E413205}" type="datetimeFigureOut">
               <a:rPr lang="en-US" smtClean="0"/>
-              <a:t>7/31/19</a:t>
+              <a:t>8/1/19</a:t>
             </a:fld>
             <a:endParaRPr lang="en-US"/>
           </a:p>
@@ -944,7 +945,7 @@
           <a:p>
             <a:fld id="{B117922E-E910-6545-901D-B3B05E413205}" type="datetimeFigureOut">
               <a:rPr lang="en-US" smtClean="0"/>
-              <a:t>7/31/19</a:t>
+              <a:t>8/1/19</a:t>
             </a:fld>
             <a:endParaRPr lang="en-US"/>
           </a:p>
@@ -1119,7 +1120,7 @@
           <a:p>
             <a:fld id="{B117922E-E910-6545-901D-B3B05E413205}" type="datetimeFigureOut">
               <a:rPr lang="en-US" smtClean="0"/>
-              <a:t>7/31/19</a:t>
+              <a:t>8/1/19</a:t>
             </a:fld>
             <a:endParaRPr lang="en-US"/>
           </a:p>
@@ -1284,7 +1285,7 @@
           <a:p>
             <a:fld id="{B117922E-E910-6545-901D-B3B05E413205}" type="datetimeFigureOut">
               <a:rPr lang="en-US" smtClean="0"/>
-              <a:t>7/31/19</a:t>
+              <a:t>8/1/19</a:t>
             </a:fld>
             <a:endParaRPr lang="en-US"/>
           </a:p>
@@ -1525,7 +1526,7 @@
           <a:p>
             <a:fld id="{B117922E-E910-6545-901D-B3B05E413205}" type="datetimeFigureOut">
               <a:rPr lang="en-US" smtClean="0"/>
-              <a:t>7/31/19</a:t>
+              <a:t>8/1/19</a:t>
             </a:fld>
             <a:endParaRPr lang="en-US"/>
           </a:p>
@@ -1752,7 +1753,7 @@
           <a:p>
             <a:fld id="{B117922E-E910-6545-901D-B3B05E413205}" type="datetimeFigureOut">
               <a:rPr lang="en-US" smtClean="0"/>
-              <a:t>7/31/19</a:t>
+              <a:t>8/1/19</a:t>
             </a:fld>
             <a:endParaRPr lang="en-US"/>
           </a:p>
@@ -2114,7 +2115,7 @@
           <a:p>
             <a:fld id="{B117922E-E910-6545-901D-B3B05E413205}" type="datetimeFigureOut">
               <a:rPr lang="en-US" smtClean="0"/>
-              <a:t>7/31/19</a:t>
+              <a:t>8/1/19</a:t>
             </a:fld>
             <a:endParaRPr lang="en-US"/>
           </a:p>
@@ -2227,7 +2228,7 @@
           <a:p>
             <a:fld id="{B117922E-E910-6545-901D-B3B05E413205}" type="datetimeFigureOut">
               <a:rPr lang="en-US" smtClean="0"/>
-              <a:t>7/31/19</a:t>
+              <a:t>8/1/19</a:t>
             </a:fld>
             <a:endParaRPr lang="en-US"/>
           </a:p>
@@ -2317,7 +2318,7 @@
           <a:p>
             <a:fld id="{B117922E-E910-6545-901D-B3B05E413205}" type="datetimeFigureOut">
               <a:rPr lang="en-US" smtClean="0"/>
-              <a:t>7/31/19</a:t>
+              <a:t>8/1/19</a:t>
             </a:fld>
             <a:endParaRPr lang="en-US"/>
           </a:p>
@@ -2589,7 +2590,7 @@
           <a:p>
             <a:fld id="{B117922E-E910-6545-901D-B3B05E413205}" type="datetimeFigureOut">
               <a:rPr lang="en-US" smtClean="0"/>
-              <a:t>7/31/19</a:t>
+              <a:t>8/1/19</a:t>
             </a:fld>
             <a:endParaRPr lang="en-US"/>
           </a:p>
@@ -2837,7 +2838,7 @@
           <a:p>
             <a:fld id="{B117922E-E910-6545-901D-B3B05E413205}" type="datetimeFigureOut">
               <a:rPr lang="en-US" smtClean="0"/>
-              <a:t>7/31/19</a:t>
+              <a:t>8/1/19</a:t>
             </a:fld>
             <a:endParaRPr lang="en-US"/>
           </a:p>
@@ -3045,7 +3046,7 @@
           <a:p>
             <a:fld id="{B117922E-E910-6545-901D-B3B05E413205}" type="datetimeFigureOut">
               <a:rPr lang="en-US" smtClean="0"/>
-              <a:t>7/31/19</a:t>
+              <a:t>8/1/19</a:t>
             </a:fld>
             <a:endParaRPr lang="en-US"/>
           </a:p>
@@ -3455,7 +3456,7 @@
           <p:cNvPr id="2" name="Title 1">
             <a:extLst>
               <a:ext uri="{FF2B5EF4-FFF2-40B4-BE49-F238E27FC236}">
-                <a16:creationId xmlns:a16="http://schemas.microsoft.com/office/drawing/2014/main" xmlns="" id="{FAA89291-60DA-2C40-8096-73810E04757F}"/>
+                <a16:creationId xmlns="" xmlns:a16="http://schemas.microsoft.com/office/drawing/2014/main" id="{FAA89291-60DA-2C40-8096-73810E04757F}"/>
               </a:ext>
             </a:extLst>
           </p:cNvPr>
@@ -3484,7 +3485,7 @@
           <p:cNvPr id="3" name="Subtitle 2">
             <a:extLst>
               <a:ext uri="{FF2B5EF4-FFF2-40B4-BE49-F238E27FC236}">
-                <a16:creationId xmlns:a16="http://schemas.microsoft.com/office/drawing/2014/main" xmlns="" id="{CEB73EAD-9E51-C647-886C-A89700E6F256}"/>
+                <a16:creationId xmlns="" xmlns:a16="http://schemas.microsoft.com/office/drawing/2014/main" id="{CEB73EAD-9E51-C647-886C-A89700E6F256}"/>
               </a:ext>
             </a:extLst>
           </p:cNvPr>
@@ -3528,7 +3529,7 @@
           <p:cNvPr id="5" name="Picture 4">
             <a:extLst>
               <a:ext uri="{FF2B5EF4-FFF2-40B4-BE49-F238E27FC236}">
-                <a16:creationId xmlns:a16="http://schemas.microsoft.com/office/drawing/2014/main" xmlns="" id="{0056138C-987F-684A-938F-5B452E26E6CF}"/>
+                <a16:creationId xmlns="" xmlns:a16="http://schemas.microsoft.com/office/drawing/2014/main" id="{0056138C-987F-684A-938F-5B452E26E6CF}"/>
               </a:ext>
             </a:extLst>
           </p:cNvPr>
@@ -3585,10 +3586,633 @@
       </p:grpSpPr>
       <p:sp>
         <p:nvSpPr>
+          <p:cNvPr id="2" name="Title 1"/>
+          <p:cNvSpPr>
+            <a:spLocks noGrp="1"/>
+          </p:cNvSpPr>
+          <p:nvPr>
+            <p:ph type="title"/>
+          </p:nvPr>
+        </p:nvSpPr>
+        <p:spPr/>
+        <p:txBody>
+          <a:bodyPr/>
+          <a:lstStyle/>
+          <a:p>
+            <a:pPr algn="ctr"/>
+            <a:r>
+              <a:rPr lang="en-US" dirty="0" smtClean="0"/>
+              <a:t>Technologies</a:t>
+            </a:r>
+            <a:endParaRPr lang="en-US" dirty="0"/>
+          </a:p>
+        </p:txBody>
+      </p:sp>
+      <p:sp>
+        <p:nvSpPr>
+          <p:cNvPr id="3" name="Content Placeholder 2"/>
+          <p:cNvSpPr>
+            <a:spLocks noGrp="1"/>
+          </p:cNvSpPr>
+          <p:nvPr>
+            <p:ph idx="1"/>
+          </p:nvPr>
+        </p:nvSpPr>
+        <p:spPr/>
+        <p:txBody>
+          <a:bodyPr>
+            <a:normAutofit fontScale="62500" lnSpcReduction="20000"/>
+          </a:bodyPr>
+          <a:lstStyle/>
+          <a:p>
+            <a:r>
+              <a:rPr lang="en-US" dirty="0"/>
+              <a:t>Python</a:t>
+            </a:r>
+          </a:p>
+          <a:p>
+            <a:endParaRPr lang="en-US" dirty="0" smtClean="0"/>
+          </a:p>
+          <a:p>
+            <a:r>
+              <a:rPr lang="en-US" dirty="0" smtClean="0"/>
+              <a:t>Flask</a:t>
+            </a:r>
+            <a:endParaRPr lang="en-US" dirty="0"/>
+          </a:p>
+          <a:p>
+            <a:endParaRPr lang="en-US" dirty="0"/>
+          </a:p>
+          <a:p>
+            <a:r>
+              <a:rPr lang="en-US" dirty="0"/>
+              <a:t>GitHub</a:t>
+            </a:r>
+          </a:p>
+          <a:p>
+            <a:endParaRPr lang="en-US" dirty="0"/>
+          </a:p>
+          <a:p>
+            <a:r>
+              <a:rPr lang="en-US" dirty="0" smtClean="0"/>
+              <a:t>MySQL</a:t>
+            </a:r>
+            <a:endParaRPr lang="en-US" dirty="0"/>
+          </a:p>
+          <a:p>
+            <a:endParaRPr lang="en-US" dirty="0" smtClean="0"/>
+          </a:p>
+          <a:p>
+            <a:r>
+              <a:rPr lang="en-US" dirty="0" smtClean="0"/>
+              <a:t>PostgreSQL</a:t>
+            </a:r>
+            <a:endParaRPr lang="en-US" dirty="0"/>
+          </a:p>
+          <a:p>
+            <a:endParaRPr lang="en-US" dirty="0"/>
+          </a:p>
+          <a:p>
+            <a:r>
+              <a:rPr lang="en-US" dirty="0"/>
+              <a:t>Slack </a:t>
+            </a:r>
+            <a:r>
+              <a:rPr lang="en-US" dirty="0" smtClean="0"/>
+              <a:t>API</a:t>
+            </a:r>
+          </a:p>
+          <a:p>
+            <a:endParaRPr lang="en-US" dirty="0" smtClean="0"/>
+          </a:p>
+          <a:p>
+            <a:r>
+              <a:rPr lang="en-US" dirty="0" smtClean="0"/>
+              <a:t>AWS</a:t>
+            </a:r>
+          </a:p>
+        </p:txBody>
+      </p:sp>
+      <p:pic>
+        <p:nvPicPr>
+          <p:cNvPr id="4" name="Picture 3">
+            <a:extLst>
+              <a:ext uri="{FF2B5EF4-FFF2-40B4-BE49-F238E27FC236}">
+                <a16:creationId xmlns="" xmlns:a16="http://schemas.microsoft.com/office/drawing/2014/main" id="{E4AEDFE2-2953-F54B-B6FB-1C4BD361B3F7}"/>
+              </a:ext>
+            </a:extLst>
+          </p:cNvPr>
+          <p:cNvPicPr>
+            <a:picLocks noChangeAspect="1"/>
+          </p:cNvPicPr>
+          <p:nvPr/>
+        </p:nvPicPr>
+        <p:blipFill>
+          <a:blip r:embed="rId3"/>
+          <a:stretch>
+            <a:fillRect/>
+          </a:stretch>
+        </p:blipFill>
+        <p:spPr>
+          <a:xfrm>
+            <a:off x="10642600" y="5308600"/>
+            <a:ext cx="1549400" cy="1549400"/>
+          </a:xfrm>
+          <a:prstGeom prst="rect">
+            <a:avLst/>
+          </a:prstGeom>
+        </p:spPr>
+      </p:pic>
+      <p:pic>
+        <p:nvPicPr>
+          <p:cNvPr id="1026" name="Picture 2" descr="mage result for python image"/>
+          <p:cNvPicPr>
+            <a:picLocks noChangeAspect="1" noChangeArrowheads="1"/>
+          </p:cNvPicPr>
+          <p:nvPr/>
+        </p:nvPicPr>
+        <p:blipFill>
+          <a:blip r:embed="rId4">
+            <a:extLst>
+              <a:ext uri="{28A0092B-C50C-407E-A947-70E740481C1C}">
+                <a14:useLocalDpi xmlns:a14="http://schemas.microsoft.com/office/drawing/2010/main" val="0"/>
+              </a:ext>
+            </a:extLst>
+          </a:blip>
+          <a:srcRect/>
+          <a:stretch>
+            <a:fillRect/>
+          </a:stretch>
+        </p:blipFill>
+        <p:spPr bwMode="auto">
+          <a:xfrm>
+            <a:off x="7412476" y="1611180"/>
+            <a:ext cx="963579" cy="974820"/>
+          </a:xfrm>
+          <a:prstGeom prst="rect">
+            <a:avLst/>
+          </a:prstGeom>
+          <a:noFill/>
+          <a:extLst>
+            <a:ext uri="{909E8E84-426E-40DD-AFC4-6F175D3DCCD1}">
+              <a14:hiddenFill xmlns:a14="http://schemas.microsoft.com/office/drawing/2010/main">
+                <a:solidFill>
+                  <a:srgbClr val="FFFFFF"/>
+                </a:solidFill>
+              </a14:hiddenFill>
+            </a:ext>
+          </a:extLst>
+        </p:spPr>
+      </p:pic>
+      <p:sp>
+        <p:nvSpPr>
+          <p:cNvPr id="5" name="AutoShape 4" descr="mage result for mysql logo"/>
+          <p:cNvSpPr>
+            <a:spLocks noChangeAspect="1" noChangeArrowheads="1"/>
+          </p:cNvSpPr>
+          <p:nvPr/>
+        </p:nvSpPr>
+        <p:spPr bwMode="auto">
+          <a:xfrm>
+            <a:off x="0" y="0"/>
+            <a:ext cx="304800" cy="304800"/>
+          </a:xfrm>
+          <a:prstGeom prst="rect">
+            <a:avLst/>
+          </a:prstGeom>
+          <a:noFill/>
+          <a:extLst>
+            <a:ext uri="{909E8E84-426E-40DD-AFC4-6F175D3DCCD1}">
+              <a14:hiddenFill xmlns:a14="http://schemas.microsoft.com/office/drawing/2010/main">
+                <a:solidFill>
+                  <a:srgbClr val="FFFFFF"/>
+                </a:solidFill>
+              </a14:hiddenFill>
+            </a:ext>
+          </a:extLst>
+        </p:spPr>
+        <p:txBody>
+          <a:bodyPr vert="horz" wrap="square" lIns="91440" tIns="45720" rIns="91440" bIns="45720" numCol="1" anchor="t" anchorCtr="0" compatLnSpc="1">
+            <a:prstTxWarp prst="textNoShape">
+              <a:avLst/>
+            </a:prstTxWarp>
+          </a:bodyPr>
+          <a:lstStyle/>
+          <a:p>
+            <a:endParaRPr lang="en-US"/>
+          </a:p>
+        </p:txBody>
+      </p:sp>
+      <p:sp>
+        <p:nvSpPr>
+          <p:cNvPr id="7" name="AutoShape 8" descr="mage result for mysql logo"/>
+          <p:cNvSpPr>
+            <a:spLocks noChangeAspect="1" noChangeArrowheads="1"/>
+          </p:cNvSpPr>
+          <p:nvPr/>
+        </p:nvSpPr>
+        <p:spPr bwMode="auto">
+          <a:xfrm>
+            <a:off x="152400" y="152400"/>
+            <a:ext cx="304800" cy="304800"/>
+          </a:xfrm>
+          <a:prstGeom prst="rect">
+            <a:avLst/>
+          </a:prstGeom>
+          <a:noFill/>
+          <a:extLst>
+            <a:ext uri="{909E8E84-426E-40DD-AFC4-6F175D3DCCD1}">
+              <a14:hiddenFill xmlns:a14="http://schemas.microsoft.com/office/drawing/2010/main">
+                <a:solidFill>
+                  <a:srgbClr val="FFFFFF"/>
+                </a:solidFill>
+              </a14:hiddenFill>
+            </a:ext>
+          </a:extLst>
+        </p:spPr>
+        <p:txBody>
+          <a:bodyPr vert="horz" wrap="square" lIns="91440" tIns="45720" rIns="91440" bIns="45720" numCol="1" anchor="t" anchorCtr="0" compatLnSpc="1">
+            <a:prstTxWarp prst="textNoShape">
+              <a:avLst/>
+            </a:prstTxWarp>
+          </a:bodyPr>
+          <a:lstStyle/>
+          <a:p>
+            <a:endParaRPr lang="en-US"/>
+          </a:p>
+        </p:txBody>
+      </p:sp>
+      <p:pic>
+        <p:nvPicPr>
+          <p:cNvPr id="1034" name="Picture 10" descr="mage result for mysql logo"/>
+          <p:cNvPicPr>
+            <a:picLocks noChangeAspect="1" noChangeArrowheads="1"/>
+          </p:cNvPicPr>
+          <p:nvPr/>
+        </p:nvPicPr>
+        <p:blipFill>
+          <a:blip r:embed="rId5">
+            <a:extLst>
+              <a:ext uri="{28A0092B-C50C-407E-A947-70E740481C1C}">
+                <a14:useLocalDpi xmlns:a14="http://schemas.microsoft.com/office/drawing/2010/main" val="0"/>
+              </a:ext>
+            </a:extLst>
+          </a:blip>
+          <a:srcRect/>
+          <a:stretch>
+            <a:fillRect/>
+          </a:stretch>
+        </p:blipFill>
+        <p:spPr bwMode="auto">
+          <a:xfrm>
+            <a:off x="5137134" y="2920928"/>
+            <a:ext cx="1917732" cy="989230"/>
+          </a:xfrm>
+          <a:prstGeom prst="rect">
+            <a:avLst/>
+          </a:prstGeom>
+          <a:noFill/>
+          <a:extLst>
+            <a:ext uri="{909E8E84-426E-40DD-AFC4-6F175D3DCCD1}">
+              <a14:hiddenFill xmlns:a14="http://schemas.microsoft.com/office/drawing/2010/main">
+                <a:solidFill>
+                  <a:srgbClr val="FFFFFF"/>
+                </a:solidFill>
+              </a14:hiddenFill>
+            </a:ext>
+          </a:extLst>
+        </p:spPr>
+      </p:pic>
+      <p:pic>
+        <p:nvPicPr>
+          <p:cNvPr id="1042" name="Picture 18" descr="mage result for slack image"/>
+          <p:cNvPicPr>
+            <a:picLocks noChangeAspect="1" noChangeArrowheads="1"/>
+          </p:cNvPicPr>
+          <p:nvPr/>
+        </p:nvPicPr>
+        <p:blipFill>
+          <a:blip r:embed="rId6">
+            <a:extLst>
+              <a:ext uri="{28A0092B-C50C-407E-A947-70E740481C1C}">
+                <a14:useLocalDpi xmlns:a14="http://schemas.microsoft.com/office/drawing/2010/main" val="0"/>
+              </a:ext>
+            </a:extLst>
+          </a:blip>
+          <a:srcRect/>
+          <a:stretch>
+            <a:fillRect/>
+          </a:stretch>
+        </p:blipFill>
+        <p:spPr bwMode="auto">
+          <a:xfrm>
+            <a:off x="5244375" y="3626008"/>
+            <a:ext cx="1797843" cy="1797843"/>
+          </a:xfrm>
+          <a:prstGeom prst="rect">
+            <a:avLst/>
+          </a:prstGeom>
+          <a:noFill/>
+          <a:extLst>
+            <a:ext uri="{909E8E84-426E-40DD-AFC4-6F175D3DCCD1}">
+              <a14:hiddenFill xmlns:a14="http://schemas.microsoft.com/office/drawing/2010/main">
+                <a:solidFill>
+                  <a:srgbClr val="FFFFFF"/>
+                </a:solidFill>
+              </a14:hiddenFill>
+            </a:ext>
+          </a:extLst>
+        </p:spPr>
+      </p:pic>
+      <p:sp>
+        <p:nvSpPr>
+          <p:cNvPr id="11" name="AutoShape 20" descr="mage result for github logo"/>
+          <p:cNvSpPr>
+            <a:spLocks noChangeAspect="1" noChangeArrowheads="1"/>
+          </p:cNvSpPr>
+          <p:nvPr/>
+        </p:nvSpPr>
+        <p:spPr bwMode="auto">
+          <a:xfrm>
+            <a:off x="304800" y="304800"/>
+            <a:ext cx="304800" cy="304800"/>
+          </a:xfrm>
+          <a:prstGeom prst="rect">
+            <a:avLst/>
+          </a:prstGeom>
+          <a:noFill/>
+          <a:extLst>
+            <a:ext uri="{909E8E84-426E-40DD-AFC4-6F175D3DCCD1}">
+              <a14:hiddenFill xmlns:a14="http://schemas.microsoft.com/office/drawing/2010/main">
+                <a:solidFill>
+                  <a:srgbClr val="FFFFFF"/>
+                </a:solidFill>
+              </a14:hiddenFill>
+            </a:ext>
+          </a:extLst>
+        </p:spPr>
+        <p:txBody>
+          <a:bodyPr vert="horz" wrap="square" lIns="91440" tIns="45720" rIns="91440" bIns="45720" numCol="1" anchor="t" anchorCtr="0" compatLnSpc="1">
+            <a:prstTxWarp prst="textNoShape">
+              <a:avLst/>
+            </a:prstTxWarp>
+          </a:bodyPr>
+          <a:lstStyle/>
+          <a:p>
+            <a:endParaRPr lang="en-US"/>
+          </a:p>
+        </p:txBody>
+      </p:sp>
+      <p:pic>
+        <p:nvPicPr>
+          <p:cNvPr id="1046" name="Picture 22" descr="mage result for github logo"/>
+          <p:cNvPicPr>
+            <a:picLocks noChangeAspect="1" noChangeArrowheads="1"/>
+          </p:cNvPicPr>
+          <p:nvPr/>
+        </p:nvPicPr>
+        <p:blipFill>
+          <a:blip r:embed="rId7">
+            <a:extLst>
+              <a:ext uri="{28A0092B-C50C-407E-A947-70E740481C1C}">
+                <a14:useLocalDpi xmlns:a14="http://schemas.microsoft.com/office/drawing/2010/main" val="0"/>
+              </a:ext>
+            </a:extLst>
+          </a:blip>
+          <a:srcRect/>
+          <a:stretch>
+            <a:fillRect/>
+          </a:stretch>
+        </p:blipFill>
+        <p:spPr bwMode="auto">
+          <a:xfrm>
+            <a:off x="7357676" y="2846388"/>
+            <a:ext cx="1169192" cy="1169192"/>
+          </a:xfrm>
+          <a:prstGeom prst="rect">
+            <a:avLst/>
+          </a:prstGeom>
+          <a:noFill/>
+          <a:extLst>
+            <a:ext uri="{909E8E84-426E-40DD-AFC4-6F175D3DCCD1}">
+              <a14:hiddenFill xmlns:a14="http://schemas.microsoft.com/office/drawing/2010/main">
+                <a:solidFill>
+                  <a:srgbClr val="FFFFFF"/>
+                </a:solidFill>
+              </a14:hiddenFill>
+            </a:ext>
+          </a:extLst>
+        </p:spPr>
+      </p:pic>
+      <p:pic>
+        <p:nvPicPr>
+          <p:cNvPr id="4098" name="Picture 2" descr="mage result for flask python"/>
+          <p:cNvPicPr>
+            <a:picLocks noChangeAspect="1" noChangeArrowheads="1"/>
+          </p:cNvPicPr>
+          <p:nvPr/>
+        </p:nvPicPr>
+        <p:blipFill>
+          <a:blip r:embed="rId8">
+            <a:extLst>
+              <a:ext uri="{28A0092B-C50C-407E-A947-70E740481C1C}">
+                <a14:useLocalDpi xmlns:a14="http://schemas.microsoft.com/office/drawing/2010/main" val="0"/>
+              </a:ext>
+            </a:extLst>
+          </a:blip>
+          <a:srcRect/>
+          <a:stretch>
+            <a:fillRect/>
+          </a:stretch>
+        </p:blipFill>
+        <p:spPr bwMode="auto">
+          <a:xfrm>
+            <a:off x="5521841" y="1673410"/>
+            <a:ext cx="1520234" cy="850359"/>
+          </a:xfrm>
+          <a:prstGeom prst="rect">
+            <a:avLst/>
+          </a:prstGeom>
+          <a:noFill/>
+          <a:extLst>
+            <a:ext uri="{909E8E84-426E-40DD-AFC4-6F175D3DCCD1}">
+              <a14:hiddenFill xmlns:a14="http://schemas.microsoft.com/office/drawing/2010/main">
+                <a:solidFill>
+                  <a:srgbClr val="FFFFFF"/>
+                </a:solidFill>
+              </a14:hiddenFill>
+            </a:ext>
+          </a:extLst>
+        </p:spPr>
+      </p:pic>
+      <p:sp>
+        <p:nvSpPr>
+          <p:cNvPr id="17" name="Title 1"/>
+          <p:cNvSpPr txBox="1">
+            <a:spLocks/>
+          </p:cNvSpPr>
+          <p:nvPr/>
+        </p:nvSpPr>
+        <p:spPr>
+          <a:xfrm>
+            <a:off x="838200" y="365125"/>
+            <a:ext cx="10515600" cy="1325563"/>
+          </a:xfrm>
+          <a:prstGeom prst="rect">
+            <a:avLst/>
+          </a:prstGeom>
+        </p:spPr>
+        <p:txBody>
+          <a:bodyPr vert="horz" lIns="91440" tIns="45720" rIns="91440" bIns="45720" rtlCol="0" anchor="ctr">
+            <a:normAutofit/>
+          </a:bodyPr>
+          <a:lstStyle>
+            <a:lvl1pPr algn="l" defTabSz="914400" rtl="0" eaLnBrk="1" latinLnBrk="0" hangingPunct="1">
+              <a:lnSpc>
+                <a:spcPct val="90000"/>
+              </a:lnSpc>
+              <a:spcBef>
+                <a:spcPct val="0"/>
+              </a:spcBef>
+              <a:buNone/>
+              <a:defRPr sz="4400" kern="1200">
+                <a:solidFill>
+                  <a:schemeClr val="tx1"/>
+                </a:solidFill>
+                <a:latin typeface="+mj-lt"/>
+                <a:ea typeface="+mj-ea"/>
+                <a:cs typeface="+mj-cs"/>
+              </a:defRPr>
+            </a:lvl1pPr>
+          </a:lstStyle>
+          <a:p>
+            <a:pPr algn="ctr"/>
+            <a:r>
+              <a:rPr lang="en-US" smtClean="0"/>
+              <a:t>Technologies</a:t>
+            </a:r>
+            <a:endParaRPr lang="en-US" dirty="0"/>
+          </a:p>
+        </p:txBody>
+      </p:sp>
+      <p:pic>
+        <p:nvPicPr>
+          <p:cNvPr id="18" name="Picture 8" descr="mage result for postgresql"/>
+          <p:cNvPicPr>
+            <a:picLocks noChangeAspect="1" noChangeArrowheads="1"/>
+          </p:cNvPicPr>
+          <p:nvPr/>
+        </p:nvPicPr>
+        <p:blipFill>
+          <a:blip r:embed="rId9">
+            <a:extLst>
+              <a:ext uri="{28A0092B-C50C-407E-A947-70E740481C1C}">
+                <a14:useLocalDpi xmlns:a14="http://schemas.microsoft.com/office/drawing/2010/main" val="0"/>
+              </a:ext>
+            </a:extLst>
+          </a:blip>
+          <a:srcRect/>
+          <a:stretch>
+            <a:fillRect/>
+          </a:stretch>
+        </p:blipFill>
+        <p:spPr bwMode="auto">
+          <a:xfrm>
+            <a:off x="7273363" y="4150517"/>
+            <a:ext cx="1241803" cy="965847"/>
+          </a:xfrm>
+          <a:prstGeom prst="rect">
+            <a:avLst/>
+          </a:prstGeom>
+          <a:noFill/>
+          <a:extLst>
+            <a:ext uri="{909E8E84-426E-40DD-AFC4-6F175D3DCCD1}">
+              <a14:hiddenFill xmlns:a14="http://schemas.microsoft.com/office/drawing/2010/main">
+                <a:solidFill>
+                  <a:srgbClr val="FFFFFF"/>
+                </a:solidFill>
+              </a14:hiddenFill>
+            </a:ext>
+          </a:extLst>
+        </p:spPr>
+      </p:pic>
+      <p:pic>
+        <p:nvPicPr>
+          <p:cNvPr id="4106" name="Picture 10" descr="mage result for AWS"/>
+          <p:cNvPicPr>
+            <a:picLocks noChangeAspect="1" noChangeArrowheads="1"/>
+          </p:cNvPicPr>
+          <p:nvPr/>
+        </p:nvPicPr>
+        <p:blipFill>
+          <a:blip r:embed="rId10">
+            <a:extLst>
+              <a:ext uri="{28A0092B-C50C-407E-A947-70E740481C1C}">
+                <a14:useLocalDpi xmlns:a14="http://schemas.microsoft.com/office/drawing/2010/main" val="0"/>
+              </a:ext>
+            </a:extLst>
+          </a:blip>
+          <a:srcRect/>
+          <a:stretch>
+            <a:fillRect/>
+          </a:stretch>
+        </p:blipFill>
+        <p:spPr bwMode="auto">
+          <a:xfrm>
+            <a:off x="5297396" y="5308600"/>
+            <a:ext cx="2115079" cy="1265522"/>
+          </a:xfrm>
+          <a:prstGeom prst="rect">
+            <a:avLst/>
+          </a:prstGeom>
+          <a:noFill/>
+          <a:extLst>
+            <a:ext uri="{909E8E84-426E-40DD-AFC4-6F175D3DCCD1}">
+              <a14:hiddenFill xmlns:a14="http://schemas.microsoft.com/office/drawing/2010/main">
+                <a:solidFill>
+                  <a:srgbClr val="FFFFFF"/>
+                </a:solidFill>
+              </a14:hiddenFill>
+            </a:ext>
+          </a:extLst>
+        </p:spPr>
+      </p:pic>
+    </p:spTree>
+    <p:extLst>
+      <p:ext uri="{BB962C8B-B14F-4D97-AF65-F5344CB8AC3E}">
+        <p14:creationId xmlns:p14="http://schemas.microsoft.com/office/powerpoint/2010/main" val="1150571277"/>
+      </p:ext>
+    </p:extLst>
+  </p:cSld>
+  <p:clrMapOvr>
+    <a:masterClrMapping/>
+  </p:clrMapOvr>
+</p:sld>
+</file>
+
+<file path=ppt/slides/slide11.xml><?xml version="1.0" encoding="utf-8"?>
+<p:sld xmlns:a="http://schemas.openxmlformats.org/drawingml/2006/main" xmlns:r="http://schemas.openxmlformats.org/officeDocument/2006/relationships" xmlns:p="http://schemas.openxmlformats.org/presentationml/2006/main">
+  <p:cSld>
+    <p:spTree>
+      <p:nvGrpSpPr>
+        <p:cNvPr id="1" name=""/>
+        <p:cNvGrpSpPr/>
+        <p:nvPr/>
+      </p:nvGrpSpPr>
+      <p:grpSpPr>
+        <a:xfrm>
+          <a:off x="0" y="0"/>
+          <a:ext cx="0" cy="0"/>
+          <a:chOff x="0" y="0"/>
+          <a:chExt cx="0" cy="0"/>
+        </a:xfrm>
+      </p:grpSpPr>
+      <p:sp>
+        <p:nvSpPr>
           <p:cNvPr id="2" name="Title 1">
             <a:extLst>
               <a:ext uri="{FF2B5EF4-FFF2-40B4-BE49-F238E27FC236}">
-                <a16:creationId xmlns:a16="http://schemas.microsoft.com/office/drawing/2014/main" xmlns="" id="{BC5DA4AD-0C71-7A47-85DE-BC9DE15B285A}"/>
+                <a16:creationId xmlns="" xmlns:a16="http://schemas.microsoft.com/office/drawing/2014/main" id="{BC5DA4AD-0C71-7A47-85DE-BC9DE15B285A}"/>
               </a:ext>
             </a:extLst>
           </p:cNvPr>
@@ -3618,7 +4242,7 @@
           <p:cNvPr id="3" name="Content Placeholder 2">
             <a:extLst>
               <a:ext uri="{FF2B5EF4-FFF2-40B4-BE49-F238E27FC236}">
-                <a16:creationId xmlns:a16="http://schemas.microsoft.com/office/drawing/2014/main" xmlns="" id="{DFEB92B7-8F82-E449-A4BC-7E38092C7E34}"/>
+                <a16:creationId xmlns="" xmlns:a16="http://schemas.microsoft.com/office/drawing/2014/main" id="{DFEB92B7-8F82-E449-A4BC-7E38092C7E34}"/>
               </a:ext>
             </a:extLst>
           </p:cNvPr>
@@ -3738,7 +4362,7 @@
           <p:cNvPr id="4" name="Picture 3">
             <a:extLst>
               <a:ext uri="{FF2B5EF4-FFF2-40B4-BE49-F238E27FC236}">
-                <a16:creationId xmlns:a16="http://schemas.microsoft.com/office/drawing/2014/main" xmlns="" id="{1DB5F070-954F-B246-92C2-DBBAF1318929}"/>
+                <a16:creationId xmlns="" xmlns:a16="http://schemas.microsoft.com/office/drawing/2014/main" id="{1DB5F070-954F-B246-92C2-DBBAF1318929}"/>
               </a:ext>
             </a:extLst>
           </p:cNvPr>
@@ -3840,11 +4464,7 @@
           <a:p>
             <a:r>
               <a:rPr lang="en-US" dirty="0" smtClean="0"/>
-              <a:t>Who’s it for =&gt; </a:t>
-            </a:r>
-            <a:r>
-              <a:rPr lang="en-US" dirty="0" smtClean="0"/>
-              <a:t>Companies with large amounts of data</a:t>
+              <a:t>Who’s it for =&gt; Companies with large amounts of data</a:t>
             </a:r>
           </a:p>
           <a:p>
@@ -3871,7 +4491,6 @@
               <a:rPr lang="en-US" dirty="0" smtClean="0"/>
               <a:t> aims solve these problems</a:t>
             </a:r>
-            <a:endParaRPr lang="en-US" dirty="0" smtClean="0"/>
           </a:p>
           <a:p>
             <a:pPr lvl="1"/>
@@ -3884,7 +4503,7 @@
           <p:cNvPr id="4" name="Picture 3">
             <a:extLst>
               <a:ext uri="{FF2B5EF4-FFF2-40B4-BE49-F238E27FC236}">
-                <a16:creationId xmlns:a16="http://schemas.microsoft.com/office/drawing/2014/main" xmlns="" id="{0056138C-987F-684A-938F-5B452E26E6CF}"/>
+                <a16:creationId xmlns="" xmlns:a16="http://schemas.microsoft.com/office/drawing/2014/main" id="{0056138C-987F-684A-938F-5B452E26E6CF}"/>
               </a:ext>
             </a:extLst>
           </p:cNvPr>
@@ -3914,7 +4533,7 @@
           <p:cNvPr id="5" name="Picture 4">
             <a:extLst>
               <a:ext uri="{FF2B5EF4-FFF2-40B4-BE49-F238E27FC236}">
-                <a16:creationId xmlns:a16="http://schemas.microsoft.com/office/drawing/2014/main" xmlns="" id="{C33F4CFD-AAF0-784F-8D1A-AEFC1C5E590D}"/>
+                <a16:creationId xmlns="" xmlns:a16="http://schemas.microsoft.com/office/drawing/2014/main" id="{C33F4CFD-AAF0-784F-8D1A-AEFC1C5E590D}"/>
               </a:ext>
             </a:extLst>
           </p:cNvPr>
@@ -3944,7 +4563,7 @@
           <p:cNvPr id="6" name="Picture 5">
             <a:extLst>
               <a:ext uri="{FF2B5EF4-FFF2-40B4-BE49-F238E27FC236}">
-                <a16:creationId xmlns:a16="http://schemas.microsoft.com/office/drawing/2014/main" xmlns="" id="{2D375751-A7E1-0648-A61D-70EF4E727BC8}"/>
+                <a16:creationId xmlns="" xmlns:a16="http://schemas.microsoft.com/office/drawing/2014/main" id="{2D375751-A7E1-0648-A61D-70EF4E727BC8}"/>
               </a:ext>
             </a:extLst>
           </p:cNvPr>
@@ -4071,7 +4690,7 @@
           <p:cNvPr id="4" name="Picture 3">
             <a:extLst>
               <a:ext uri="{FF2B5EF4-FFF2-40B4-BE49-F238E27FC236}">
-                <a16:creationId xmlns:a16="http://schemas.microsoft.com/office/drawing/2014/main" xmlns="" id="{0056138C-987F-684A-938F-5B452E26E6CF}"/>
+                <a16:creationId xmlns="" xmlns:a16="http://schemas.microsoft.com/office/drawing/2014/main" id="{0056138C-987F-684A-938F-5B452E26E6CF}"/>
               </a:ext>
             </a:extLst>
           </p:cNvPr>
@@ -4230,7 +4849,7 @@
           <p:cNvPr id="4" name="Picture 3">
             <a:extLst>
               <a:ext uri="{FF2B5EF4-FFF2-40B4-BE49-F238E27FC236}">
-                <a16:creationId xmlns:a16="http://schemas.microsoft.com/office/drawing/2014/main" xmlns="" id="{0056138C-987F-684A-938F-5B452E26E6CF}"/>
+                <a16:creationId xmlns="" xmlns:a16="http://schemas.microsoft.com/office/drawing/2014/main" id="{0056138C-987F-684A-938F-5B452E26E6CF}"/>
               </a:ext>
             </a:extLst>
           </p:cNvPr>
@@ -4295,60 +4914,24 @@
             <p:ph type="title"/>
           </p:nvPr>
         </p:nvSpPr>
-        <p:spPr/>
-        <p:txBody>
-          <a:bodyPr/>
+        <p:spPr>
+          <a:xfrm>
+            <a:off x="649941" y="2422525"/>
+            <a:ext cx="10515600" cy="1325563"/>
+          </a:xfrm>
+        </p:spPr>
+        <p:txBody>
+          <a:bodyPr>
+            <a:noAutofit/>
+          </a:bodyPr>
           <a:lstStyle/>
           <a:p>
             <a:pPr algn="ctr"/>
             <a:r>
-              <a:rPr lang="en-US" smtClean="0"/>
-              <a:t>Database Integrations</a:t>
-            </a:r>
-            <a:endParaRPr lang="en-US" dirty="0"/>
-          </a:p>
-        </p:txBody>
-      </p:sp>
-      <p:sp>
-        <p:nvSpPr>
-          <p:cNvPr id="3" name="Content Placeholder 2"/>
-          <p:cNvSpPr>
-            <a:spLocks noGrp="1"/>
-          </p:cNvSpPr>
-          <p:nvPr>
-            <p:ph idx="1"/>
-          </p:nvPr>
-        </p:nvSpPr>
-        <p:spPr/>
-        <p:txBody>
-          <a:bodyPr/>
-          <a:lstStyle/>
-          <a:p>
-            <a:r>
-              <a:rPr lang="en-US" dirty="0" smtClean="0"/>
-              <a:t>Added integration for </a:t>
-            </a:r>
-            <a:r>
-              <a:rPr lang="en-US" dirty="0" err="1" smtClean="0"/>
-              <a:t>postgreSQL</a:t>
-            </a:r>
-            <a:r>
-              <a:rPr lang="en-US" dirty="0" smtClean="0"/>
-              <a:t> databases</a:t>
-            </a:r>
-          </a:p>
-          <a:p>
-            <a:r>
-              <a:rPr lang="en-US" dirty="0" err="1" smtClean="0"/>
-              <a:t>Psycopg</a:t>
-            </a:r>
-            <a:r>
-              <a:rPr lang="en-US" dirty="0" smtClean="0"/>
-              <a:t> connector leveraged</a:t>
-            </a:r>
-          </a:p>
-          <a:p>
-            <a:endParaRPr lang="en-US" dirty="0" smtClean="0"/>
+              <a:rPr lang="en-US" sz="9600" dirty="0" smtClean="0"/>
+              <a:t>Demo</a:t>
+            </a:r>
+            <a:endParaRPr lang="en-US" sz="9600" dirty="0"/>
           </a:p>
         </p:txBody>
       </p:sp>
@@ -4357,7 +4940,134 @@
           <p:cNvPr id="4" name="Picture 3">
             <a:extLst>
               <a:ext uri="{FF2B5EF4-FFF2-40B4-BE49-F238E27FC236}">
-                <a16:creationId xmlns:a16="http://schemas.microsoft.com/office/drawing/2014/main" xmlns="" id="{0056138C-987F-684A-938F-5B452E26E6CF}"/>
+                <a16:creationId xmlns="" xmlns:a16="http://schemas.microsoft.com/office/drawing/2014/main" id="{0056138C-987F-684A-938F-5B452E26E6CF}"/>
+              </a:ext>
+            </a:extLst>
+          </p:cNvPr>
+          <p:cNvPicPr>
+            <a:picLocks noChangeAspect="1"/>
+          </p:cNvPicPr>
+          <p:nvPr/>
+        </p:nvPicPr>
+        <p:blipFill>
+          <a:blip r:embed="rId2"/>
+          <a:stretch>
+            <a:fillRect/>
+          </a:stretch>
+        </p:blipFill>
+        <p:spPr>
+          <a:xfrm>
+            <a:off x="10642600" y="5308600"/>
+            <a:ext cx="1549400" cy="1549400"/>
+          </a:xfrm>
+          <a:prstGeom prst="rect">
+            <a:avLst/>
+          </a:prstGeom>
+        </p:spPr>
+      </p:pic>
+    </p:spTree>
+    <p:extLst>
+      <p:ext uri="{BB962C8B-B14F-4D97-AF65-F5344CB8AC3E}">
+        <p14:creationId xmlns:p14="http://schemas.microsoft.com/office/powerpoint/2010/main" val="866447925"/>
+      </p:ext>
+    </p:extLst>
+  </p:cSld>
+  <p:clrMapOvr>
+    <a:masterClrMapping/>
+  </p:clrMapOvr>
+</p:sld>
+</file>
+
+<file path=ppt/slides/slide6.xml><?xml version="1.0" encoding="utf-8"?>
+<p:sld xmlns:a="http://schemas.openxmlformats.org/drawingml/2006/main" xmlns:r="http://schemas.openxmlformats.org/officeDocument/2006/relationships" xmlns:p="http://schemas.openxmlformats.org/presentationml/2006/main">
+  <p:cSld>
+    <p:spTree>
+      <p:nvGrpSpPr>
+        <p:cNvPr id="1" name=""/>
+        <p:cNvGrpSpPr/>
+        <p:nvPr/>
+      </p:nvGrpSpPr>
+      <p:grpSpPr>
+        <a:xfrm>
+          <a:off x="0" y="0"/>
+          <a:ext cx="0" cy="0"/>
+          <a:chOff x="0" y="0"/>
+          <a:chExt cx="0" cy="0"/>
+        </a:xfrm>
+      </p:grpSpPr>
+      <p:sp>
+        <p:nvSpPr>
+          <p:cNvPr id="2" name="Title 1"/>
+          <p:cNvSpPr>
+            <a:spLocks noGrp="1"/>
+          </p:cNvSpPr>
+          <p:nvPr>
+            <p:ph type="title"/>
+          </p:nvPr>
+        </p:nvSpPr>
+        <p:spPr/>
+        <p:txBody>
+          <a:bodyPr/>
+          <a:lstStyle/>
+          <a:p>
+            <a:pPr algn="ctr"/>
+            <a:r>
+              <a:rPr lang="en-US" smtClean="0"/>
+              <a:t>Database Integrations</a:t>
+            </a:r>
+            <a:endParaRPr lang="en-US" dirty="0"/>
+          </a:p>
+        </p:txBody>
+      </p:sp>
+      <p:sp>
+        <p:nvSpPr>
+          <p:cNvPr id="3" name="Content Placeholder 2"/>
+          <p:cNvSpPr>
+            <a:spLocks noGrp="1"/>
+          </p:cNvSpPr>
+          <p:nvPr>
+            <p:ph idx="1"/>
+          </p:nvPr>
+        </p:nvSpPr>
+        <p:spPr/>
+        <p:txBody>
+          <a:bodyPr/>
+          <a:lstStyle/>
+          <a:p>
+            <a:r>
+              <a:rPr lang="en-US" dirty="0" smtClean="0"/>
+              <a:t>Added integration for </a:t>
+            </a:r>
+            <a:r>
+              <a:rPr lang="en-US" dirty="0" err="1" smtClean="0"/>
+              <a:t>postgreSQL</a:t>
+            </a:r>
+            <a:r>
+              <a:rPr lang="en-US" dirty="0" smtClean="0"/>
+              <a:t> databases</a:t>
+            </a:r>
+          </a:p>
+          <a:p>
+            <a:r>
+              <a:rPr lang="en-US" dirty="0" err="1" smtClean="0"/>
+              <a:t>Psycopg</a:t>
+            </a:r>
+            <a:r>
+              <a:rPr lang="en-US" dirty="0" smtClean="0"/>
+              <a:t> connector leveraged</a:t>
+            </a:r>
+          </a:p>
+          <a:p>
+            <a:endParaRPr lang="en-US" dirty="0" smtClean="0"/>
+          </a:p>
+        </p:txBody>
+      </p:sp>
+      <p:pic>
+        <p:nvPicPr>
+          <p:cNvPr id="4" name="Picture 3">
+            <a:extLst>
+              <a:ext uri="{FF2B5EF4-FFF2-40B4-BE49-F238E27FC236}">
+                <a16:creationId xmlns="" xmlns:a16="http://schemas.microsoft.com/office/drawing/2014/main" id="{0056138C-987F-684A-938F-5B452E26E6CF}"/>
               </a:ext>
             </a:extLst>
           </p:cNvPr>
@@ -4395,7 +5105,7 @@
 </p:sld>
 </file>
 
-<file path=ppt/slides/slide6.xml><?xml version="1.0" encoding="utf-8"?>
+<file path=ppt/slides/slide7.xml><?xml version="1.0" encoding="utf-8"?>
 <p:sld xmlns:a="http://schemas.openxmlformats.org/drawingml/2006/main" xmlns:r="http://schemas.openxmlformats.org/officeDocument/2006/relationships" xmlns:p="http://schemas.openxmlformats.org/presentationml/2006/main">
   <p:cSld>
     <p:spTree>
@@ -4502,7 +5212,7 @@
           <p:cNvPr id="4" name="Picture 3">
             <a:extLst>
               <a:ext uri="{FF2B5EF4-FFF2-40B4-BE49-F238E27FC236}">
-                <a16:creationId xmlns:a16="http://schemas.microsoft.com/office/drawing/2014/main" xmlns="" id="{0056138C-987F-684A-938F-5B452E26E6CF}"/>
+                <a16:creationId xmlns="" xmlns:a16="http://schemas.microsoft.com/office/drawing/2014/main" id="{0056138C-987F-684A-938F-5B452E26E6CF}"/>
               </a:ext>
             </a:extLst>
           </p:cNvPr>
@@ -4611,7 +5321,7 @@
 </p:sld>
 </file>
 
-<file path=ppt/slides/slide7.xml><?xml version="1.0" encoding="utf-8"?>
+<file path=ppt/slides/slide8.xml><?xml version="1.0" encoding="utf-8"?>
 <p:sld xmlns:a="http://schemas.openxmlformats.org/drawingml/2006/main" xmlns:r="http://schemas.openxmlformats.org/officeDocument/2006/relationships" xmlns:p="http://schemas.openxmlformats.org/presentationml/2006/main">
   <p:cSld>
     <p:spTree>
@@ -4686,7 +5396,7 @@
           <p:cNvPr id="4" name="Picture 3">
             <a:extLst>
               <a:ext uri="{FF2B5EF4-FFF2-40B4-BE49-F238E27FC236}">
-                <a16:creationId xmlns:a16="http://schemas.microsoft.com/office/drawing/2014/main" xmlns="" id="{0056138C-987F-684A-938F-5B452E26E6CF}"/>
+                <a16:creationId xmlns="" xmlns:a16="http://schemas.microsoft.com/office/drawing/2014/main" id="{0056138C-987F-684A-938F-5B452E26E6CF}"/>
               </a:ext>
             </a:extLst>
           </p:cNvPr>
@@ -4724,7 +5434,7 @@
 </p:sld>
 </file>
 
-<file path=ppt/slides/slide8.xml><?xml version="1.0" encoding="utf-8"?>
+<file path=ppt/slides/slide9.xml><?xml version="1.0" encoding="utf-8"?>
 <p:sld xmlns:a="http://schemas.openxmlformats.org/drawingml/2006/main" xmlns:r="http://schemas.openxmlformats.org/officeDocument/2006/relationships" xmlns:p="http://schemas.openxmlformats.org/presentationml/2006/main">
   <p:cSld>
     <p:spTree>
@@ -4770,7 +5480,7 @@
           <p:cNvPr id="4" name="Picture 3">
             <a:extLst>
               <a:ext uri="{FF2B5EF4-FFF2-40B4-BE49-F238E27FC236}">
-                <a16:creationId xmlns:a16="http://schemas.microsoft.com/office/drawing/2014/main" xmlns="" id="{0056138C-987F-684A-938F-5B452E26E6CF}"/>
+                <a16:creationId xmlns="" xmlns:a16="http://schemas.microsoft.com/office/drawing/2014/main" id="{0056138C-987F-684A-938F-5B452E26E6CF}"/>
               </a:ext>
             </a:extLst>
           </p:cNvPr>
@@ -4864,629 +5574,6 @@
     <p:extLst>
       <p:ext uri="{BB962C8B-B14F-4D97-AF65-F5344CB8AC3E}">
         <p14:creationId xmlns:p14="http://schemas.microsoft.com/office/powerpoint/2010/main" val="1954185796"/>
-      </p:ext>
-    </p:extLst>
-  </p:cSld>
-  <p:clrMapOvr>
-    <a:masterClrMapping/>
-  </p:clrMapOvr>
-</p:sld>
-</file>
-
-<file path=ppt/slides/slide9.xml><?xml version="1.0" encoding="utf-8"?>
-<p:sld xmlns:a="http://schemas.openxmlformats.org/drawingml/2006/main" xmlns:r="http://schemas.openxmlformats.org/officeDocument/2006/relationships" xmlns:p="http://schemas.openxmlformats.org/presentationml/2006/main">
-  <p:cSld>
-    <p:spTree>
-      <p:nvGrpSpPr>
-        <p:cNvPr id="1" name=""/>
-        <p:cNvGrpSpPr/>
-        <p:nvPr/>
-      </p:nvGrpSpPr>
-      <p:grpSpPr>
-        <a:xfrm>
-          <a:off x="0" y="0"/>
-          <a:ext cx="0" cy="0"/>
-          <a:chOff x="0" y="0"/>
-          <a:chExt cx="0" cy="0"/>
-        </a:xfrm>
-      </p:grpSpPr>
-      <p:sp>
-        <p:nvSpPr>
-          <p:cNvPr id="2" name="Title 1"/>
-          <p:cNvSpPr>
-            <a:spLocks noGrp="1"/>
-          </p:cNvSpPr>
-          <p:nvPr>
-            <p:ph type="title"/>
-          </p:nvPr>
-        </p:nvSpPr>
-        <p:spPr/>
-        <p:txBody>
-          <a:bodyPr/>
-          <a:lstStyle/>
-          <a:p>
-            <a:pPr algn="ctr"/>
-            <a:r>
-              <a:rPr lang="en-US" dirty="0" smtClean="0"/>
-              <a:t>Technologies</a:t>
-            </a:r>
-            <a:endParaRPr lang="en-US" dirty="0"/>
-          </a:p>
-        </p:txBody>
-      </p:sp>
-      <p:sp>
-        <p:nvSpPr>
-          <p:cNvPr id="3" name="Content Placeholder 2"/>
-          <p:cNvSpPr>
-            <a:spLocks noGrp="1"/>
-          </p:cNvSpPr>
-          <p:nvPr>
-            <p:ph idx="1"/>
-          </p:nvPr>
-        </p:nvSpPr>
-        <p:spPr/>
-        <p:txBody>
-          <a:bodyPr>
-            <a:normAutofit fontScale="62500" lnSpcReduction="20000"/>
-          </a:bodyPr>
-          <a:lstStyle/>
-          <a:p>
-            <a:r>
-              <a:rPr lang="en-US" dirty="0"/>
-              <a:t>Python</a:t>
-            </a:r>
-          </a:p>
-          <a:p>
-            <a:endParaRPr lang="en-US" dirty="0" smtClean="0"/>
-          </a:p>
-          <a:p>
-            <a:r>
-              <a:rPr lang="en-US" dirty="0" smtClean="0"/>
-              <a:t>Flask</a:t>
-            </a:r>
-            <a:endParaRPr lang="en-US" dirty="0"/>
-          </a:p>
-          <a:p>
-            <a:endParaRPr lang="en-US" dirty="0"/>
-          </a:p>
-          <a:p>
-            <a:r>
-              <a:rPr lang="en-US" dirty="0"/>
-              <a:t>GitHub</a:t>
-            </a:r>
-          </a:p>
-          <a:p>
-            <a:endParaRPr lang="en-US" dirty="0"/>
-          </a:p>
-          <a:p>
-            <a:r>
-              <a:rPr lang="en-US" dirty="0" smtClean="0"/>
-              <a:t>MySQL</a:t>
-            </a:r>
-            <a:endParaRPr lang="en-US" dirty="0"/>
-          </a:p>
-          <a:p>
-            <a:endParaRPr lang="en-US" dirty="0" smtClean="0"/>
-          </a:p>
-          <a:p>
-            <a:r>
-              <a:rPr lang="en-US" dirty="0" smtClean="0"/>
-              <a:t>PostgreSQL</a:t>
-            </a:r>
-            <a:endParaRPr lang="en-US" dirty="0"/>
-          </a:p>
-          <a:p>
-            <a:endParaRPr lang="en-US" dirty="0"/>
-          </a:p>
-          <a:p>
-            <a:r>
-              <a:rPr lang="en-US" dirty="0"/>
-              <a:t>Slack </a:t>
-            </a:r>
-            <a:r>
-              <a:rPr lang="en-US" dirty="0" smtClean="0"/>
-              <a:t>API</a:t>
-            </a:r>
-          </a:p>
-          <a:p>
-            <a:endParaRPr lang="en-US" dirty="0" smtClean="0"/>
-          </a:p>
-          <a:p>
-            <a:r>
-              <a:rPr lang="en-US" dirty="0" smtClean="0"/>
-              <a:t>AWS</a:t>
-            </a:r>
-          </a:p>
-        </p:txBody>
-      </p:sp>
-      <p:pic>
-        <p:nvPicPr>
-          <p:cNvPr id="4" name="Picture 3">
-            <a:extLst>
-              <a:ext uri="{FF2B5EF4-FFF2-40B4-BE49-F238E27FC236}">
-                <a16:creationId xmlns:a16="http://schemas.microsoft.com/office/drawing/2014/main" xmlns="" id="{E4AEDFE2-2953-F54B-B6FB-1C4BD361B3F7}"/>
-              </a:ext>
-            </a:extLst>
-          </p:cNvPr>
-          <p:cNvPicPr>
-            <a:picLocks noChangeAspect="1"/>
-          </p:cNvPicPr>
-          <p:nvPr/>
-        </p:nvPicPr>
-        <p:blipFill>
-          <a:blip r:embed="rId3"/>
-          <a:stretch>
-            <a:fillRect/>
-          </a:stretch>
-        </p:blipFill>
-        <p:spPr>
-          <a:xfrm>
-            <a:off x="10642600" y="5308600"/>
-            <a:ext cx="1549400" cy="1549400"/>
-          </a:xfrm>
-          <a:prstGeom prst="rect">
-            <a:avLst/>
-          </a:prstGeom>
-        </p:spPr>
-      </p:pic>
-      <p:pic>
-        <p:nvPicPr>
-          <p:cNvPr id="1026" name="Picture 2" descr="mage result for python image"/>
-          <p:cNvPicPr>
-            <a:picLocks noChangeAspect="1" noChangeArrowheads="1"/>
-          </p:cNvPicPr>
-          <p:nvPr/>
-        </p:nvPicPr>
-        <p:blipFill>
-          <a:blip r:embed="rId4">
-            <a:extLst>
-              <a:ext uri="{28A0092B-C50C-407E-A947-70E740481C1C}">
-                <a14:useLocalDpi xmlns:a14="http://schemas.microsoft.com/office/drawing/2010/main" val="0"/>
-              </a:ext>
-            </a:extLst>
-          </a:blip>
-          <a:srcRect/>
-          <a:stretch>
-            <a:fillRect/>
-          </a:stretch>
-        </p:blipFill>
-        <p:spPr bwMode="auto">
-          <a:xfrm>
-            <a:off x="7412476" y="1611180"/>
-            <a:ext cx="963579" cy="974820"/>
-          </a:xfrm>
-          <a:prstGeom prst="rect">
-            <a:avLst/>
-          </a:prstGeom>
-          <a:noFill/>
-          <a:extLst>
-            <a:ext uri="{909E8E84-426E-40DD-AFC4-6F175D3DCCD1}">
-              <a14:hiddenFill xmlns:a14="http://schemas.microsoft.com/office/drawing/2010/main">
-                <a:solidFill>
-                  <a:srgbClr val="FFFFFF"/>
-                </a:solidFill>
-              </a14:hiddenFill>
-            </a:ext>
-          </a:extLst>
-        </p:spPr>
-      </p:pic>
-      <p:sp>
-        <p:nvSpPr>
-          <p:cNvPr id="5" name="AutoShape 4" descr="mage result for mysql logo"/>
-          <p:cNvSpPr>
-            <a:spLocks noChangeAspect="1" noChangeArrowheads="1"/>
-          </p:cNvSpPr>
-          <p:nvPr/>
-        </p:nvSpPr>
-        <p:spPr bwMode="auto">
-          <a:xfrm>
-            <a:off x="0" y="0"/>
-            <a:ext cx="304800" cy="304800"/>
-          </a:xfrm>
-          <a:prstGeom prst="rect">
-            <a:avLst/>
-          </a:prstGeom>
-          <a:noFill/>
-          <a:extLst>
-            <a:ext uri="{909E8E84-426E-40DD-AFC4-6F175D3DCCD1}">
-              <a14:hiddenFill xmlns:a14="http://schemas.microsoft.com/office/drawing/2010/main">
-                <a:solidFill>
-                  <a:srgbClr val="FFFFFF"/>
-                </a:solidFill>
-              </a14:hiddenFill>
-            </a:ext>
-          </a:extLst>
-        </p:spPr>
-        <p:txBody>
-          <a:bodyPr vert="horz" wrap="square" lIns="91440" tIns="45720" rIns="91440" bIns="45720" numCol="1" anchor="t" anchorCtr="0" compatLnSpc="1">
-            <a:prstTxWarp prst="textNoShape">
-              <a:avLst/>
-            </a:prstTxWarp>
-          </a:bodyPr>
-          <a:lstStyle/>
-          <a:p>
-            <a:endParaRPr lang="en-US"/>
-          </a:p>
-        </p:txBody>
-      </p:sp>
-      <p:sp>
-        <p:nvSpPr>
-          <p:cNvPr id="7" name="AutoShape 8" descr="mage result for mysql logo"/>
-          <p:cNvSpPr>
-            <a:spLocks noChangeAspect="1" noChangeArrowheads="1"/>
-          </p:cNvSpPr>
-          <p:nvPr/>
-        </p:nvSpPr>
-        <p:spPr bwMode="auto">
-          <a:xfrm>
-            <a:off x="152400" y="152400"/>
-            <a:ext cx="304800" cy="304800"/>
-          </a:xfrm>
-          <a:prstGeom prst="rect">
-            <a:avLst/>
-          </a:prstGeom>
-          <a:noFill/>
-          <a:extLst>
-            <a:ext uri="{909E8E84-426E-40DD-AFC4-6F175D3DCCD1}">
-              <a14:hiddenFill xmlns:a14="http://schemas.microsoft.com/office/drawing/2010/main">
-                <a:solidFill>
-                  <a:srgbClr val="FFFFFF"/>
-                </a:solidFill>
-              </a14:hiddenFill>
-            </a:ext>
-          </a:extLst>
-        </p:spPr>
-        <p:txBody>
-          <a:bodyPr vert="horz" wrap="square" lIns="91440" tIns="45720" rIns="91440" bIns="45720" numCol="1" anchor="t" anchorCtr="0" compatLnSpc="1">
-            <a:prstTxWarp prst="textNoShape">
-              <a:avLst/>
-            </a:prstTxWarp>
-          </a:bodyPr>
-          <a:lstStyle/>
-          <a:p>
-            <a:endParaRPr lang="en-US"/>
-          </a:p>
-        </p:txBody>
-      </p:sp>
-      <p:pic>
-        <p:nvPicPr>
-          <p:cNvPr id="1034" name="Picture 10" descr="mage result for mysql logo"/>
-          <p:cNvPicPr>
-            <a:picLocks noChangeAspect="1" noChangeArrowheads="1"/>
-          </p:cNvPicPr>
-          <p:nvPr/>
-        </p:nvPicPr>
-        <p:blipFill>
-          <a:blip r:embed="rId5">
-            <a:extLst>
-              <a:ext uri="{28A0092B-C50C-407E-A947-70E740481C1C}">
-                <a14:useLocalDpi xmlns:a14="http://schemas.microsoft.com/office/drawing/2010/main" val="0"/>
-              </a:ext>
-            </a:extLst>
-          </a:blip>
-          <a:srcRect/>
-          <a:stretch>
-            <a:fillRect/>
-          </a:stretch>
-        </p:blipFill>
-        <p:spPr bwMode="auto">
-          <a:xfrm>
-            <a:off x="5137134" y="2920928"/>
-            <a:ext cx="1917732" cy="989230"/>
-          </a:xfrm>
-          <a:prstGeom prst="rect">
-            <a:avLst/>
-          </a:prstGeom>
-          <a:noFill/>
-          <a:extLst>
-            <a:ext uri="{909E8E84-426E-40DD-AFC4-6F175D3DCCD1}">
-              <a14:hiddenFill xmlns:a14="http://schemas.microsoft.com/office/drawing/2010/main">
-                <a:solidFill>
-                  <a:srgbClr val="FFFFFF"/>
-                </a:solidFill>
-              </a14:hiddenFill>
-            </a:ext>
-          </a:extLst>
-        </p:spPr>
-      </p:pic>
-      <p:pic>
-        <p:nvPicPr>
-          <p:cNvPr id="1042" name="Picture 18" descr="mage result for slack image"/>
-          <p:cNvPicPr>
-            <a:picLocks noChangeAspect="1" noChangeArrowheads="1"/>
-          </p:cNvPicPr>
-          <p:nvPr/>
-        </p:nvPicPr>
-        <p:blipFill>
-          <a:blip r:embed="rId6">
-            <a:extLst>
-              <a:ext uri="{28A0092B-C50C-407E-A947-70E740481C1C}">
-                <a14:useLocalDpi xmlns:a14="http://schemas.microsoft.com/office/drawing/2010/main" val="0"/>
-              </a:ext>
-            </a:extLst>
-          </a:blip>
-          <a:srcRect/>
-          <a:stretch>
-            <a:fillRect/>
-          </a:stretch>
-        </p:blipFill>
-        <p:spPr bwMode="auto">
-          <a:xfrm>
-            <a:off x="5244375" y="3626008"/>
-            <a:ext cx="1797843" cy="1797843"/>
-          </a:xfrm>
-          <a:prstGeom prst="rect">
-            <a:avLst/>
-          </a:prstGeom>
-          <a:noFill/>
-          <a:extLst>
-            <a:ext uri="{909E8E84-426E-40DD-AFC4-6F175D3DCCD1}">
-              <a14:hiddenFill xmlns:a14="http://schemas.microsoft.com/office/drawing/2010/main">
-                <a:solidFill>
-                  <a:srgbClr val="FFFFFF"/>
-                </a:solidFill>
-              </a14:hiddenFill>
-            </a:ext>
-          </a:extLst>
-        </p:spPr>
-      </p:pic>
-      <p:sp>
-        <p:nvSpPr>
-          <p:cNvPr id="11" name="AutoShape 20" descr="mage result for github logo"/>
-          <p:cNvSpPr>
-            <a:spLocks noChangeAspect="1" noChangeArrowheads="1"/>
-          </p:cNvSpPr>
-          <p:nvPr/>
-        </p:nvSpPr>
-        <p:spPr bwMode="auto">
-          <a:xfrm>
-            <a:off x="304800" y="304800"/>
-            <a:ext cx="304800" cy="304800"/>
-          </a:xfrm>
-          <a:prstGeom prst="rect">
-            <a:avLst/>
-          </a:prstGeom>
-          <a:noFill/>
-          <a:extLst>
-            <a:ext uri="{909E8E84-426E-40DD-AFC4-6F175D3DCCD1}">
-              <a14:hiddenFill xmlns:a14="http://schemas.microsoft.com/office/drawing/2010/main">
-                <a:solidFill>
-                  <a:srgbClr val="FFFFFF"/>
-                </a:solidFill>
-              </a14:hiddenFill>
-            </a:ext>
-          </a:extLst>
-        </p:spPr>
-        <p:txBody>
-          <a:bodyPr vert="horz" wrap="square" lIns="91440" tIns="45720" rIns="91440" bIns="45720" numCol="1" anchor="t" anchorCtr="0" compatLnSpc="1">
-            <a:prstTxWarp prst="textNoShape">
-              <a:avLst/>
-            </a:prstTxWarp>
-          </a:bodyPr>
-          <a:lstStyle/>
-          <a:p>
-            <a:endParaRPr lang="en-US"/>
-          </a:p>
-        </p:txBody>
-      </p:sp>
-      <p:pic>
-        <p:nvPicPr>
-          <p:cNvPr id="1046" name="Picture 22" descr="mage result for github logo"/>
-          <p:cNvPicPr>
-            <a:picLocks noChangeAspect="1" noChangeArrowheads="1"/>
-          </p:cNvPicPr>
-          <p:nvPr/>
-        </p:nvPicPr>
-        <p:blipFill>
-          <a:blip r:embed="rId7">
-            <a:extLst>
-              <a:ext uri="{28A0092B-C50C-407E-A947-70E740481C1C}">
-                <a14:useLocalDpi xmlns:a14="http://schemas.microsoft.com/office/drawing/2010/main" val="0"/>
-              </a:ext>
-            </a:extLst>
-          </a:blip>
-          <a:srcRect/>
-          <a:stretch>
-            <a:fillRect/>
-          </a:stretch>
-        </p:blipFill>
-        <p:spPr bwMode="auto">
-          <a:xfrm>
-            <a:off x="7357676" y="2846388"/>
-            <a:ext cx="1169192" cy="1169192"/>
-          </a:xfrm>
-          <a:prstGeom prst="rect">
-            <a:avLst/>
-          </a:prstGeom>
-          <a:noFill/>
-          <a:extLst>
-            <a:ext uri="{909E8E84-426E-40DD-AFC4-6F175D3DCCD1}">
-              <a14:hiddenFill xmlns:a14="http://schemas.microsoft.com/office/drawing/2010/main">
-                <a:solidFill>
-                  <a:srgbClr val="FFFFFF"/>
-                </a:solidFill>
-              </a14:hiddenFill>
-            </a:ext>
-          </a:extLst>
-        </p:spPr>
-      </p:pic>
-      <p:pic>
-        <p:nvPicPr>
-          <p:cNvPr id="4098" name="Picture 2" descr="mage result for flask python"/>
-          <p:cNvPicPr>
-            <a:picLocks noChangeAspect="1" noChangeArrowheads="1"/>
-          </p:cNvPicPr>
-          <p:nvPr/>
-        </p:nvPicPr>
-        <p:blipFill>
-          <a:blip r:embed="rId8">
-            <a:extLst>
-              <a:ext uri="{28A0092B-C50C-407E-A947-70E740481C1C}">
-                <a14:useLocalDpi xmlns:a14="http://schemas.microsoft.com/office/drawing/2010/main" val="0"/>
-              </a:ext>
-            </a:extLst>
-          </a:blip>
-          <a:srcRect/>
-          <a:stretch>
-            <a:fillRect/>
-          </a:stretch>
-        </p:blipFill>
-        <p:spPr bwMode="auto">
-          <a:xfrm>
-            <a:off x="5521841" y="1673410"/>
-            <a:ext cx="1520234" cy="850359"/>
-          </a:xfrm>
-          <a:prstGeom prst="rect">
-            <a:avLst/>
-          </a:prstGeom>
-          <a:noFill/>
-          <a:extLst>
-            <a:ext uri="{909E8E84-426E-40DD-AFC4-6F175D3DCCD1}">
-              <a14:hiddenFill xmlns:a14="http://schemas.microsoft.com/office/drawing/2010/main">
-                <a:solidFill>
-                  <a:srgbClr val="FFFFFF"/>
-                </a:solidFill>
-              </a14:hiddenFill>
-            </a:ext>
-          </a:extLst>
-        </p:spPr>
-      </p:pic>
-      <p:sp>
-        <p:nvSpPr>
-          <p:cNvPr id="17" name="Title 1"/>
-          <p:cNvSpPr txBox="1">
-            <a:spLocks/>
-          </p:cNvSpPr>
-          <p:nvPr/>
-        </p:nvSpPr>
-        <p:spPr>
-          <a:xfrm>
-            <a:off x="838200" y="365125"/>
-            <a:ext cx="10515600" cy="1325563"/>
-          </a:xfrm>
-          <a:prstGeom prst="rect">
-            <a:avLst/>
-          </a:prstGeom>
-        </p:spPr>
-        <p:txBody>
-          <a:bodyPr vert="horz" lIns="91440" tIns="45720" rIns="91440" bIns="45720" rtlCol="0" anchor="ctr">
-            <a:normAutofit/>
-          </a:bodyPr>
-          <a:lstStyle>
-            <a:lvl1pPr algn="l" defTabSz="914400" rtl="0" eaLnBrk="1" latinLnBrk="0" hangingPunct="1">
-              <a:lnSpc>
-                <a:spcPct val="90000"/>
-              </a:lnSpc>
-              <a:spcBef>
-                <a:spcPct val="0"/>
-              </a:spcBef>
-              <a:buNone/>
-              <a:defRPr sz="4400" kern="1200">
-                <a:solidFill>
-                  <a:schemeClr val="tx1"/>
-                </a:solidFill>
-                <a:latin typeface="+mj-lt"/>
-                <a:ea typeface="+mj-ea"/>
-                <a:cs typeface="+mj-cs"/>
-              </a:defRPr>
-            </a:lvl1pPr>
-          </a:lstStyle>
-          <a:p>
-            <a:pPr algn="ctr"/>
-            <a:r>
-              <a:rPr lang="en-US" smtClean="0"/>
-              <a:t>Technologies</a:t>
-            </a:r>
-            <a:endParaRPr lang="en-US" dirty="0"/>
-          </a:p>
-        </p:txBody>
-      </p:sp>
-      <p:pic>
-        <p:nvPicPr>
-          <p:cNvPr id="18" name="Picture 8" descr="mage result for postgresql"/>
-          <p:cNvPicPr>
-            <a:picLocks noChangeAspect="1" noChangeArrowheads="1"/>
-          </p:cNvPicPr>
-          <p:nvPr/>
-        </p:nvPicPr>
-        <p:blipFill>
-          <a:blip r:embed="rId9">
-            <a:extLst>
-              <a:ext uri="{28A0092B-C50C-407E-A947-70E740481C1C}">
-                <a14:useLocalDpi xmlns:a14="http://schemas.microsoft.com/office/drawing/2010/main" val="0"/>
-              </a:ext>
-            </a:extLst>
-          </a:blip>
-          <a:srcRect/>
-          <a:stretch>
-            <a:fillRect/>
-          </a:stretch>
-        </p:blipFill>
-        <p:spPr bwMode="auto">
-          <a:xfrm>
-            <a:off x="7273363" y="4150517"/>
-            <a:ext cx="1241803" cy="965847"/>
-          </a:xfrm>
-          <a:prstGeom prst="rect">
-            <a:avLst/>
-          </a:prstGeom>
-          <a:noFill/>
-          <a:extLst>
-            <a:ext uri="{909E8E84-426E-40DD-AFC4-6F175D3DCCD1}">
-              <a14:hiddenFill xmlns:a14="http://schemas.microsoft.com/office/drawing/2010/main">
-                <a:solidFill>
-                  <a:srgbClr val="FFFFFF"/>
-                </a:solidFill>
-              </a14:hiddenFill>
-            </a:ext>
-          </a:extLst>
-        </p:spPr>
-      </p:pic>
-      <p:pic>
-        <p:nvPicPr>
-          <p:cNvPr id="4106" name="Picture 10" descr="mage result for AWS"/>
-          <p:cNvPicPr>
-            <a:picLocks noChangeAspect="1" noChangeArrowheads="1"/>
-          </p:cNvPicPr>
-          <p:nvPr/>
-        </p:nvPicPr>
-        <p:blipFill>
-          <a:blip r:embed="rId10">
-            <a:extLst>
-              <a:ext uri="{28A0092B-C50C-407E-A947-70E740481C1C}">
-                <a14:useLocalDpi xmlns:a14="http://schemas.microsoft.com/office/drawing/2010/main" val="0"/>
-              </a:ext>
-            </a:extLst>
-          </a:blip>
-          <a:srcRect/>
-          <a:stretch>
-            <a:fillRect/>
-          </a:stretch>
-        </p:blipFill>
-        <p:spPr bwMode="auto">
-          <a:xfrm>
-            <a:off x="5297396" y="5308600"/>
-            <a:ext cx="2115079" cy="1265522"/>
-          </a:xfrm>
-          <a:prstGeom prst="rect">
-            <a:avLst/>
-          </a:prstGeom>
-          <a:noFill/>
-          <a:extLst>
-            <a:ext uri="{909E8E84-426E-40DD-AFC4-6F175D3DCCD1}">
-              <a14:hiddenFill xmlns:a14="http://schemas.microsoft.com/office/drawing/2010/main">
-                <a:solidFill>
-                  <a:srgbClr val="FFFFFF"/>
-                </a:solidFill>
-              </a14:hiddenFill>
-            </a:ext>
-          </a:extLst>
-        </p:spPr>
-      </p:pic>
-    </p:spTree>
-    <p:extLst>
-      <p:ext uri="{BB962C8B-B14F-4D97-AF65-F5344CB8AC3E}">
-        <p14:creationId xmlns:p14="http://schemas.microsoft.com/office/powerpoint/2010/main" val="1150571277"/>
       </p:ext>
     </p:extLst>
   </p:cSld>

--- a/final_presentation.pptx
+++ b/final_presentation.pptx
@@ -12,13 +12,13 @@
     <p:sldId id="272" r:id="rId3"/>
     <p:sldId id="273" r:id="rId4"/>
     <p:sldId id="274" r:id="rId5"/>
-    <p:sldId id="279" r:id="rId6"/>
-    <p:sldId id="275" r:id="rId7"/>
-    <p:sldId id="277" r:id="rId8"/>
-    <p:sldId id="276" r:id="rId9"/>
-    <p:sldId id="278" r:id="rId10"/>
-    <p:sldId id="264" r:id="rId11"/>
-    <p:sldId id="262" r:id="rId12"/>
+    <p:sldId id="275" r:id="rId6"/>
+    <p:sldId id="277" r:id="rId7"/>
+    <p:sldId id="276" r:id="rId8"/>
+    <p:sldId id="278" r:id="rId9"/>
+    <p:sldId id="264" r:id="rId10"/>
+    <p:sldId id="262" r:id="rId11"/>
+    <p:sldId id="279" r:id="rId12"/>
   </p:sldIdLst>
   <p:sldSz cx="12192000" cy="6858000"/>
   <p:notesSz cx="6858000" cy="9144000"/>
@@ -630,7 +630,7 @@
           <a:p>
             <a:fld id="{B722305B-3B16-C141-9D10-B33E0E704EC5}" type="slidenum">
               <a:rPr lang="en-US" smtClean="0"/>
-              <a:t>10</a:t>
+              <a:t>9</a:t>
             </a:fld>
             <a:endParaRPr lang="en-US"/>
           </a:p>
@@ -3456,7 +3456,7 @@
           <p:cNvPr id="2" name="Title 1">
             <a:extLst>
               <a:ext uri="{FF2B5EF4-FFF2-40B4-BE49-F238E27FC236}">
-                <a16:creationId xmlns="" xmlns:a16="http://schemas.microsoft.com/office/drawing/2014/main" id="{FAA89291-60DA-2C40-8096-73810E04757F}"/>
+                <a16:creationId xmlns:a16="http://schemas.microsoft.com/office/drawing/2014/main" xmlns="" id="{FAA89291-60DA-2C40-8096-73810E04757F}"/>
               </a:ext>
             </a:extLst>
           </p:cNvPr>
@@ -3485,7 +3485,7 @@
           <p:cNvPr id="3" name="Subtitle 2">
             <a:extLst>
               <a:ext uri="{FF2B5EF4-FFF2-40B4-BE49-F238E27FC236}">
-                <a16:creationId xmlns="" xmlns:a16="http://schemas.microsoft.com/office/drawing/2014/main" id="{CEB73EAD-9E51-C647-886C-A89700E6F256}"/>
+                <a16:creationId xmlns:a16="http://schemas.microsoft.com/office/drawing/2014/main" xmlns="" id="{CEB73EAD-9E51-C647-886C-A89700E6F256}"/>
               </a:ext>
             </a:extLst>
           </p:cNvPr>
@@ -3529,7 +3529,7 @@
           <p:cNvPr id="5" name="Picture 4">
             <a:extLst>
               <a:ext uri="{FF2B5EF4-FFF2-40B4-BE49-F238E27FC236}">
-                <a16:creationId xmlns="" xmlns:a16="http://schemas.microsoft.com/office/drawing/2014/main" id="{0056138C-987F-684A-938F-5B452E26E6CF}"/>
+                <a16:creationId xmlns:a16="http://schemas.microsoft.com/office/drawing/2014/main" xmlns="" id="{0056138C-987F-684A-938F-5B452E26E6CF}"/>
               </a:ext>
             </a:extLst>
           </p:cNvPr>
@@ -3564,6 +3564,13 @@
   <p:clrMapOvr>
     <a:masterClrMapping/>
   </p:clrMapOvr>
+  <p:timing>
+    <p:tnLst>
+      <p:par>
+        <p:cTn id="1" dur="indefinite" restart="never" nodeType="tmRoot"/>
+      </p:par>
+    </p:tnLst>
+  </p:timing>
 </p:sld>
 </file>
 
@@ -3586,636 +3593,13 @@
       </p:grpSpPr>
       <p:sp>
         <p:nvSpPr>
-          <p:cNvPr id="2" name="Title 1"/>
-          <p:cNvSpPr>
-            <a:spLocks noGrp="1"/>
-          </p:cNvSpPr>
-          <p:nvPr>
-            <p:ph type="title"/>
-          </p:nvPr>
-        </p:nvSpPr>
-        <p:spPr/>
-        <p:txBody>
-          <a:bodyPr/>
-          <a:lstStyle/>
-          <a:p>
-            <a:pPr algn="ctr"/>
-            <a:r>
-              <a:rPr lang="en-US" dirty="0" smtClean="0"/>
-              <a:t>Technologies</a:t>
-            </a:r>
-            <a:endParaRPr lang="en-US" dirty="0"/>
-          </a:p>
-        </p:txBody>
-      </p:sp>
-      <p:sp>
-        <p:nvSpPr>
-          <p:cNvPr id="3" name="Content Placeholder 2"/>
-          <p:cNvSpPr>
-            <a:spLocks noGrp="1"/>
-          </p:cNvSpPr>
-          <p:nvPr>
-            <p:ph idx="1"/>
-          </p:nvPr>
-        </p:nvSpPr>
-        <p:spPr/>
-        <p:txBody>
-          <a:bodyPr>
-            <a:normAutofit fontScale="62500" lnSpcReduction="20000"/>
-          </a:bodyPr>
-          <a:lstStyle/>
-          <a:p>
-            <a:r>
-              <a:rPr lang="en-US" dirty="0"/>
-              <a:t>Python</a:t>
-            </a:r>
-          </a:p>
-          <a:p>
-            <a:endParaRPr lang="en-US" dirty="0" smtClean="0"/>
-          </a:p>
-          <a:p>
-            <a:r>
-              <a:rPr lang="en-US" dirty="0" smtClean="0"/>
-              <a:t>Flask</a:t>
-            </a:r>
-            <a:endParaRPr lang="en-US" dirty="0"/>
-          </a:p>
-          <a:p>
-            <a:endParaRPr lang="en-US" dirty="0"/>
-          </a:p>
-          <a:p>
-            <a:r>
-              <a:rPr lang="en-US" dirty="0"/>
-              <a:t>GitHub</a:t>
-            </a:r>
-          </a:p>
-          <a:p>
-            <a:endParaRPr lang="en-US" dirty="0"/>
-          </a:p>
-          <a:p>
-            <a:r>
-              <a:rPr lang="en-US" dirty="0" smtClean="0"/>
-              <a:t>MySQL</a:t>
-            </a:r>
-            <a:endParaRPr lang="en-US" dirty="0"/>
-          </a:p>
-          <a:p>
-            <a:endParaRPr lang="en-US" dirty="0" smtClean="0"/>
-          </a:p>
-          <a:p>
-            <a:r>
-              <a:rPr lang="en-US" dirty="0" smtClean="0"/>
-              <a:t>PostgreSQL</a:t>
-            </a:r>
-            <a:endParaRPr lang="en-US" dirty="0"/>
-          </a:p>
-          <a:p>
-            <a:endParaRPr lang="en-US" dirty="0"/>
-          </a:p>
-          <a:p>
-            <a:r>
-              <a:rPr lang="en-US" dirty="0"/>
-              <a:t>Slack </a:t>
-            </a:r>
-            <a:r>
-              <a:rPr lang="en-US" dirty="0" smtClean="0"/>
-              <a:t>API</a:t>
-            </a:r>
-          </a:p>
-          <a:p>
-            <a:endParaRPr lang="en-US" dirty="0" smtClean="0"/>
-          </a:p>
-          <a:p>
-            <a:r>
-              <a:rPr lang="en-US" dirty="0" smtClean="0"/>
-              <a:t>AWS</a:t>
-            </a:r>
-          </a:p>
-        </p:txBody>
-      </p:sp>
-      <p:pic>
-        <p:nvPicPr>
-          <p:cNvPr id="4" name="Picture 3">
+          <p:cNvPr id="2" name="Title 1">
             <a:extLst>
               <a:ext uri="{FF2B5EF4-FFF2-40B4-BE49-F238E27FC236}">
-                <a16:creationId xmlns="" xmlns:a16="http://schemas.microsoft.com/office/drawing/2014/main" id="{E4AEDFE2-2953-F54B-B6FB-1C4BD361B3F7}"/>
+                <a16:creationId xmlns:a16="http://schemas.microsoft.com/office/drawing/2014/main" xmlns="" id="{BC5DA4AD-0C71-7A47-85DE-BC9DE15B285A}"/>
               </a:ext>
             </a:extLst>
           </p:cNvPr>
-          <p:cNvPicPr>
-            <a:picLocks noChangeAspect="1"/>
-          </p:cNvPicPr>
-          <p:nvPr/>
-        </p:nvPicPr>
-        <p:blipFill>
-          <a:blip r:embed="rId3"/>
-          <a:stretch>
-            <a:fillRect/>
-          </a:stretch>
-        </p:blipFill>
-        <p:spPr>
-          <a:xfrm>
-            <a:off x="10642600" y="5308600"/>
-            <a:ext cx="1549400" cy="1549400"/>
-          </a:xfrm>
-          <a:prstGeom prst="rect">
-            <a:avLst/>
-          </a:prstGeom>
-        </p:spPr>
-      </p:pic>
-      <p:pic>
-        <p:nvPicPr>
-          <p:cNvPr id="1026" name="Picture 2" descr="mage result for python image"/>
-          <p:cNvPicPr>
-            <a:picLocks noChangeAspect="1" noChangeArrowheads="1"/>
-          </p:cNvPicPr>
-          <p:nvPr/>
-        </p:nvPicPr>
-        <p:blipFill>
-          <a:blip r:embed="rId4">
-            <a:extLst>
-              <a:ext uri="{28A0092B-C50C-407E-A947-70E740481C1C}">
-                <a14:useLocalDpi xmlns:a14="http://schemas.microsoft.com/office/drawing/2010/main" val="0"/>
-              </a:ext>
-            </a:extLst>
-          </a:blip>
-          <a:srcRect/>
-          <a:stretch>
-            <a:fillRect/>
-          </a:stretch>
-        </p:blipFill>
-        <p:spPr bwMode="auto">
-          <a:xfrm>
-            <a:off x="7412476" y="1611180"/>
-            <a:ext cx="963579" cy="974820"/>
-          </a:xfrm>
-          <a:prstGeom prst="rect">
-            <a:avLst/>
-          </a:prstGeom>
-          <a:noFill/>
-          <a:extLst>
-            <a:ext uri="{909E8E84-426E-40DD-AFC4-6F175D3DCCD1}">
-              <a14:hiddenFill xmlns:a14="http://schemas.microsoft.com/office/drawing/2010/main">
-                <a:solidFill>
-                  <a:srgbClr val="FFFFFF"/>
-                </a:solidFill>
-              </a14:hiddenFill>
-            </a:ext>
-          </a:extLst>
-        </p:spPr>
-      </p:pic>
-      <p:sp>
-        <p:nvSpPr>
-          <p:cNvPr id="5" name="AutoShape 4" descr="mage result for mysql logo"/>
-          <p:cNvSpPr>
-            <a:spLocks noChangeAspect="1" noChangeArrowheads="1"/>
-          </p:cNvSpPr>
-          <p:nvPr/>
-        </p:nvSpPr>
-        <p:spPr bwMode="auto">
-          <a:xfrm>
-            <a:off x="0" y="0"/>
-            <a:ext cx="304800" cy="304800"/>
-          </a:xfrm>
-          <a:prstGeom prst="rect">
-            <a:avLst/>
-          </a:prstGeom>
-          <a:noFill/>
-          <a:extLst>
-            <a:ext uri="{909E8E84-426E-40DD-AFC4-6F175D3DCCD1}">
-              <a14:hiddenFill xmlns:a14="http://schemas.microsoft.com/office/drawing/2010/main">
-                <a:solidFill>
-                  <a:srgbClr val="FFFFFF"/>
-                </a:solidFill>
-              </a14:hiddenFill>
-            </a:ext>
-          </a:extLst>
-        </p:spPr>
-        <p:txBody>
-          <a:bodyPr vert="horz" wrap="square" lIns="91440" tIns="45720" rIns="91440" bIns="45720" numCol="1" anchor="t" anchorCtr="0" compatLnSpc="1">
-            <a:prstTxWarp prst="textNoShape">
-              <a:avLst/>
-            </a:prstTxWarp>
-          </a:bodyPr>
-          <a:lstStyle/>
-          <a:p>
-            <a:endParaRPr lang="en-US"/>
-          </a:p>
-        </p:txBody>
-      </p:sp>
-      <p:sp>
-        <p:nvSpPr>
-          <p:cNvPr id="7" name="AutoShape 8" descr="mage result for mysql logo"/>
-          <p:cNvSpPr>
-            <a:spLocks noChangeAspect="1" noChangeArrowheads="1"/>
-          </p:cNvSpPr>
-          <p:nvPr/>
-        </p:nvSpPr>
-        <p:spPr bwMode="auto">
-          <a:xfrm>
-            <a:off x="152400" y="152400"/>
-            <a:ext cx="304800" cy="304800"/>
-          </a:xfrm>
-          <a:prstGeom prst="rect">
-            <a:avLst/>
-          </a:prstGeom>
-          <a:noFill/>
-          <a:extLst>
-            <a:ext uri="{909E8E84-426E-40DD-AFC4-6F175D3DCCD1}">
-              <a14:hiddenFill xmlns:a14="http://schemas.microsoft.com/office/drawing/2010/main">
-                <a:solidFill>
-                  <a:srgbClr val="FFFFFF"/>
-                </a:solidFill>
-              </a14:hiddenFill>
-            </a:ext>
-          </a:extLst>
-        </p:spPr>
-        <p:txBody>
-          <a:bodyPr vert="horz" wrap="square" lIns="91440" tIns="45720" rIns="91440" bIns="45720" numCol="1" anchor="t" anchorCtr="0" compatLnSpc="1">
-            <a:prstTxWarp prst="textNoShape">
-              <a:avLst/>
-            </a:prstTxWarp>
-          </a:bodyPr>
-          <a:lstStyle/>
-          <a:p>
-            <a:endParaRPr lang="en-US"/>
-          </a:p>
-        </p:txBody>
-      </p:sp>
-      <p:pic>
-        <p:nvPicPr>
-          <p:cNvPr id="1034" name="Picture 10" descr="mage result for mysql logo"/>
-          <p:cNvPicPr>
-            <a:picLocks noChangeAspect="1" noChangeArrowheads="1"/>
-          </p:cNvPicPr>
-          <p:nvPr/>
-        </p:nvPicPr>
-        <p:blipFill>
-          <a:blip r:embed="rId5">
-            <a:extLst>
-              <a:ext uri="{28A0092B-C50C-407E-A947-70E740481C1C}">
-                <a14:useLocalDpi xmlns:a14="http://schemas.microsoft.com/office/drawing/2010/main" val="0"/>
-              </a:ext>
-            </a:extLst>
-          </a:blip>
-          <a:srcRect/>
-          <a:stretch>
-            <a:fillRect/>
-          </a:stretch>
-        </p:blipFill>
-        <p:spPr bwMode="auto">
-          <a:xfrm>
-            <a:off x="5137134" y="2920928"/>
-            <a:ext cx="1917732" cy="989230"/>
-          </a:xfrm>
-          <a:prstGeom prst="rect">
-            <a:avLst/>
-          </a:prstGeom>
-          <a:noFill/>
-          <a:extLst>
-            <a:ext uri="{909E8E84-426E-40DD-AFC4-6F175D3DCCD1}">
-              <a14:hiddenFill xmlns:a14="http://schemas.microsoft.com/office/drawing/2010/main">
-                <a:solidFill>
-                  <a:srgbClr val="FFFFFF"/>
-                </a:solidFill>
-              </a14:hiddenFill>
-            </a:ext>
-          </a:extLst>
-        </p:spPr>
-      </p:pic>
-      <p:pic>
-        <p:nvPicPr>
-          <p:cNvPr id="1042" name="Picture 18" descr="mage result for slack image"/>
-          <p:cNvPicPr>
-            <a:picLocks noChangeAspect="1" noChangeArrowheads="1"/>
-          </p:cNvPicPr>
-          <p:nvPr/>
-        </p:nvPicPr>
-        <p:blipFill>
-          <a:blip r:embed="rId6">
-            <a:extLst>
-              <a:ext uri="{28A0092B-C50C-407E-A947-70E740481C1C}">
-                <a14:useLocalDpi xmlns:a14="http://schemas.microsoft.com/office/drawing/2010/main" val="0"/>
-              </a:ext>
-            </a:extLst>
-          </a:blip>
-          <a:srcRect/>
-          <a:stretch>
-            <a:fillRect/>
-          </a:stretch>
-        </p:blipFill>
-        <p:spPr bwMode="auto">
-          <a:xfrm>
-            <a:off x="5244375" y="3626008"/>
-            <a:ext cx="1797843" cy="1797843"/>
-          </a:xfrm>
-          <a:prstGeom prst="rect">
-            <a:avLst/>
-          </a:prstGeom>
-          <a:noFill/>
-          <a:extLst>
-            <a:ext uri="{909E8E84-426E-40DD-AFC4-6F175D3DCCD1}">
-              <a14:hiddenFill xmlns:a14="http://schemas.microsoft.com/office/drawing/2010/main">
-                <a:solidFill>
-                  <a:srgbClr val="FFFFFF"/>
-                </a:solidFill>
-              </a14:hiddenFill>
-            </a:ext>
-          </a:extLst>
-        </p:spPr>
-      </p:pic>
-      <p:sp>
-        <p:nvSpPr>
-          <p:cNvPr id="11" name="AutoShape 20" descr="mage result for github logo"/>
-          <p:cNvSpPr>
-            <a:spLocks noChangeAspect="1" noChangeArrowheads="1"/>
-          </p:cNvSpPr>
-          <p:nvPr/>
-        </p:nvSpPr>
-        <p:spPr bwMode="auto">
-          <a:xfrm>
-            <a:off x="304800" y="304800"/>
-            <a:ext cx="304800" cy="304800"/>
-          </a:xfrm>
-          <a:prstGeom prst="rect">
-            <a:avLst/>
-          </a:prstGeom>
-          <a:noFill/>
-          <a:extLst>
-            <a:ext uri="{909E8E84-426E-40DD-AFC4-6F175D3DCCD1}">
-              <a14:hiddenFill xmlns:a14="http://schemas.microsoft.com/office/drawing/2010/main">
-                <a:solidFill>
-                  <a:srgbClr val="FFFFFF"/>
-                </a:solidFill>
-              </a14:hiddenFill>
-            </a:ext>
-          </a:extLst>
-        </p:spPr>
-        <p:txBody>
-          <a:bodyPr vert="horz" wrap="square" lIns="91440" tIns="45720" rIns="91440" bIns="45720" numCol="1" anchor="t" anchorCtr="0" compatLnSpc="1">
-            <a:prstTxWarp prst="textNoShape">
-              <a:avLst/>
-            </a:prstTxWarp>
-          </a:bodyPr>
-          <a:lstStyle/>
-          <a:p>
-            <a:endParaRPr lang="en-US"/>
-          </a:p>
-        </p:txBody>
-      </p:sp>
-      <p:pic>
-        <p:nvPicPr>
-          <p:cNvPr id="1046" name="Picture 22" descr="mage result for github logo"/>
-          <p:cNvPicPr>
-            <a:picLocks noChangeAspect="1" noChangeArrowheads="1"/>
-          </p:cNvPicPr>
-          <p:nvPr/>
-        </p:nvPicPr>
-        <p:blipFill>
-          <a:blip r:embed="rId7">
-            <a:extLst>
-              <a:ext uri="{28A0092B-C50C-407E-A947-70E740481C1C}">
-                <a14:useLocalDpi xmlns:a14="http://schemas.microsoft.com/office/drawing/2010/main" val="0"/>
-              </a:ext>
-            </a:extLst>
-          </a:blip>
-          <a:srcRect/>
-          <a:stretch>
-            <a:fillRect/>
-          </a:stretch>
-        </p:blipFill>
-        <p:spPr bwMode="auto">
-          <a:xfrm>
-            <a:off x="7357676" y="2846388"/>
-            <a:ext cx="1169192" cy="1169192"/>
-          </a:xfrm>
-          <a:prstGeom prst="rect">
-            <a:avLst/>
-          </a:prstGeom>
-          <a:noFill/>
-          <a:extLst>
-            <a:ext uri="{909E8E84-426E-40DD-AFC4-6F175D3DCCD1}">
-              <a14:hiddenFill xmlns:a14="http://schemas.microsoft.com/office/drawing/2010/main">
-                <a:solidFill>
-                  <a:srgbClr val="FFFFFF"/>
-                </a:solidFill>
-              </a14:hiddenFill>
-            </a:ext>
-          </a:extLst>
-        </p:spPr>
-      </p:pic>
-      <p:pic>
-        <p:nvPicPr>
-          <p:cNvPr id="4098" name="Picture 2" descr="mage result for flask python"/>
-          <p:cNvPicPr>
-            <a:picLocks noChangeAspect="1" noChangeArrowheads="1"/>
-          </p:cNvPicPr>
-          <p:nvPr/>
-        </p:nvPicPr>
-        <p:blipFill>
-          <a:blip r:embed="rId8">
-            <a:extLst>
-              <a:ext uri="{28A0092B-C50C-407E-A947-70E740481C1C}">
-                <a14:useLocalDpi xmlns:a14="http://schemas.microsoft.com/office/drawing/2010/main" val="0"/>
-              </a:ext>
-            </a:extLst>
-          </a:blip>
-          <a:srcRect/>
-          <a:stretch>
-            <a:fillRect/>
-          </a:stretch>
-        </p:blipFill>
-        <p:spPr bwMode="auto">
-          <a:xfrm>
-            <a:off x="5521841" y="1673410"/>
-            <a:ext cx="1520234" cy="850359"/>
-          </a:xfrm>
-          <a:prstGeom prst="rect">
-            <a:avLst/>
-          </a:prstGeom>
-          <a:noFill/>
-          <a:extLst>
-            <a:ext uri="{909E8E84-426E-40DD-AFC4-6F175D3DCCD1}">
-              <a14:hiddenFill xmlns:a14="http://schemas.microsoft.com/office/drawing/2010/main">
-                <a:solidFill>
-                  <a:srgbClr val="FFFFFF"/>
-                </a:solidFill>
-              </a14:hiddenFill>
-            </a:ext>
-          </a:extLst>
-        </p:spPr>
-      </p:pic>
-      <p:sp>
-        <p:nvSpPr>
-          <p:cNvPr id="17" name="Title 1"/>
-          <p:cNvSpPr txBox="1">
-            <a:spLocks/>
-          </p:cNvSpPr>
-          <p:nvPr/>
-        </p:nvSpPr>
-        <p:spPr>
-          <a:xfrm>
-            <a:off x="838200" y="365125"/>
-            <a:ext cx="10515600" cy="1325563"/>
-          </a:xfrm>
-          <a:prstGeom prst="rect">
-            <a:avLst/>
-          </a:prstGeom>
-        </p:spPr>
-        <p:txBody>
-          <a:bodyPr vert="horz" lIns="91440" tIns="45720" rIns="91440" bIns="45720" rtlCol="0" anchor="ctr">
-            <a:normAutofit/>
-          </a:bodyPr>
-          <a:lstStyle>
-            <a:lvl1pPr algn="l" defTabSz="914400" rtl="0" eaLnBrk="1" latinLnBrk="0" hangingPunct="1">
-              <a:lnSpc>
-                <a:spcPct val="90000"/>
-              </a:lnSpc>
-              <a:spcBef>
-                <a:spcPct val="0"/>
-              </a:spcBef>
-              <a:buNone/>
-              <a:defRPr sz="4400" kern="1200">
-                <a:solidFill>
-                  <a:schemeClr val="tx1"/>
-                </a:solidFill>
-                <a:latin typeface="+mj-lt"/>
-                <a:ea typeface="+mj-ea"/>
-                <a:cs typeface="+mj-cs"/>
-              </a:defRPr>
-            </a:lvl1pPr>
-          </a:lstStyle>
-          <a:p>
-            <a:pPr algn="ctr"/>
-            <a:r>
-              <a:rPr lang="en-US" smtClean="0"/>
-              <a:t>Technologies</a:t>
-            </a:r>
-            <a:endParaRPr lang="en-US" dirty="0"/>
-          </a:p>
-        </p:txBody>
-      </p:sp>
-      <p:pic>
-        <p:nvPicPr>
-          <p:cNvPr id="18" name="Picture 8" descr="mage result for postgresql"/>
-          <p:cNvPicPr>
-            <a:picLocks noChangeAspect="1" noChangeArrowheads="1"/>
-          </p:cNvPicPr>
-          <p:nvPr/>
-        </p:nvPicPr>
-        <p:blipFill>
-          <a:blip r:embed="rId9">
-            <a:extLst>
-              <a:ext uri="{28A0092B-C50C-407E-A947-70E740481C1C}">
-                <a14:useLocalDpi xmlns:a14="http://schemas.microsoft.com/office/drawing/2010/main" val="0"/>
-              </a:ext>
-            </a:extLst>
-          </a:blip>
-          <a:srcRect/>
-          <a:stretch>
-            <a:fillRect/>
-          </a:stretch>
-        </p:blipFill>
-        <p:spPr bwMode="auto">
-          <a:xfrm>
-            <a:off x="7273363" y="4150517"/>
-            <a:ext cx="1241803" cy="965847"/>
-          </a:xfrm>
-          <a:prstGeom prst="rect">
-            <a:avLst/>
-          </a:prstGeom>
-          <a:noFill/>
-          <a:extLst>
-            <a:ext uri="{909E8E84-426E-40DD-AFC4-6F175D3DCCD1}">
-              <a14:hiddenFill xmlns:a14="http://schemas.microsoft.com/office/drawing/2010/main">
-                <a:solidFill>
-                  <a:srgbClr val="FFFFFF"/>
-                </a:solidFill>
-              </a14:hiddenFill>
-            </a:ext>
-          </a:extLst>
-        </p:spPr>
-      </p:pic>
-      <p:pic>
-        <p:nvPicPr>
-          <p:cNvPr id="4106" name="Picture 10" descr="mage result for AWS"/>
-          <p:cNvPicPr>
-            <a:picLocks noChangeAspect="1" noChangeArrowheads="1"/>
-          </p:cNvPicPr>
-          <p:nvPr/>
-        </p:nvPicPr>
-        <p:blipFill>
-          <a:blip r:embed="rId10">
-            <a:extLst>
-              <a:ext uri="{28A0092B-C50C-407E-A947-70E740481C1C}">
-                <a14:useLocalDpi xmlns:a14="http://schemas.microsoft.com/office/drawing/2010/main" val="0"/>
-              </a:ext>
-            </a:extLst>
-          </a:blip>
-          <a:srcRect/>
-          <a:stretch>
-            <a:fillRect/>
-          </a:stretch>
-        </p:blipFill>
-        <p:spPr bwMode="auto">
-          <a:xfrm>
-            <a:off x="5297396" y="5308600"/>
-            <a:ext cx="2115079" cy="1265522"/>
-          </a:xfrm>
-          <a:prstGeom prst="rect">
-            <a:avLst/>
-          </a:prstGeom>
-          <a:noFill/>
-          <a:extLst>
-            <a:ext uri="{909E8E84-426E-40DD-AFC4-6F175D3DCCD1}">
-              <a14:hiddenFill xmlns:a14="http://schemas.microsoft.com/office/drawing/2010/main">
-                <a:solidFill>
-                  <a:srgbClr val="FFFFFF"/>
-                </a:solidFill>
-              </a14:hiddenFill>
-            </a:ext>
-          </a:extLst>
-        </p:spPr>
-      </p:pic>
-    </p:spTree>
-    <p:extLst>
-      <p:ext uri="{BB962C8B-B14F-4D97-AF65-F5344CB8AC3E}">
-        <p14:creationId xmlns:p14="http://schemas.microsoft.com/office/powerpoint/2010/main" val="1150571277"/>
-      </p:ext>
-    </p:extLst>
-  </p:cSld>
-  <p:clrMapOvr>
-    <a:masterClrMapping/>
-  </p:clrMapOvr>
-</p:sld>
-</file>
-
-<file path=ppt/slides/slide11.xml><?xml version="1.0" encoding="utf-8"?>
-<p:sld xmlns:a="http://schemas.openxmlformats.org/drawingml/2006/main" xmlns:r="http://schemas.openxmlformats.org/officeDocument/2006/relationships" xmlns:p="http://schemas.openxmlformats.org/presentationml/2006/main">
-  <p:cSld>
-    <p:spTree>
-      <p:nvGrpSpPr>
-        <p:cNvPr id="1" name=""/>
-        <p:cNvGrpSpPr/>
-        <p:nvPr/>
-      </p:nvGrpSpPr>
-      <p:grpSpPr>
-        <a:xfrm>
-          <a:off x="0" y="0"/>
-          <a:ext cx="0" cy="0"/>
-          <a:chOff x="0" y="0"/>
-          <a:chExt cx="0" cy="0"/>
-        </a:xfrm>
-      </p:grpSpPr>
-      <p:sp>
-        <p:nvSpPr>
-          <p:cNvPr id="2" name="Title 1">
-            <a:extLst>
-              <a:ext uri="{FF2B5EF4-FFF2-40B4-BE49-F238E27FC236}">
-                <a16:creationId xmlns="" xmlns:a16="http://schemas.microsoft.com/office/drawing/2014/main" id="{BC5DA4AD-0C71-7A47-85DE-BC9DE15B285A}"/>
-              </a:ext>
-            </a:extLst>
-          </p:cNvPr>
           <p:cNvSpPr>
             <a:spLocks noGrp="1"/>
           </p:cNvSpPr>
@@ -4242,7 +3626,7 @@
           <p:cNvPr id="3" name="Content Placeholder 2">
             <a:extLst>
               <a:ext uri="{FF2B5EF4-FFF2-40B4-BE49-F238E27FC236}">
-                <a16:creationId xmlns="" xmlns:a16="http://schemas.microsoft.com/office/drawing/2014/main" id="{DFEB92B7-8F82-E449-A4BC-7E38092C7E34}"/>
+                <a16:creationId xmlns:a16="http://schemas.microsoft.com/office/drawing/2014/main" xmlns="" id="{DFEB92B7-8F82-E449-A4BC-7E38092C7E34}"/>
               </a:ext>
             </a:extLst>
           </p:cNvPr>
@@ -4261,7 +3645,7 @@
         </p:spPr>
         <p:txBody>
           <a:bodyPr>
-            <a:normAutofit lnSpcReduction="10000"/>
+            <a:normAutofit fontScale="85000" lnSpcReduction="20000"/>
           </a:bodyPr>
           <a:lstStyle/>
           <a:p>
@@ -4286,6 +3670,14 @@
             <a:endParaRPr lang="en-US" dirty="0" smtClean="0"/>
           </a:p>
           <a:p>
+            <a:pPr lvl="2"/>
+            <a:r>
+              <a:rPr lang="en-US" dirty="0" smtClean="0"/>
+              <a:t>Implement during co-op</a:t>
+            </a:r>
+            <a:endParaRPr lang="en-US" dirty="0" smtClean="0"/>
+          </a:p>
+          <a:p>
             <a:pPr lvl="1"/>
             <a:r>
               <a:rPr lang="en-US" dirty="0" smtClean="0"/>
@@ -4305,14 +3697,21 @@
             </a:r>
             <a:r>
               <a:rPr lang="en-US" dirty="0" smtClean="0"/>
-              <a:t>, build scripts etc.</a:t>
+              <a:t>, build scripts etc</a:t>
+            </a:r>
+            <a:r>
+              <a:rPr lang="en-US" dirty="0" smtClean="0"/>
+              <a:t>.</a:t>
             </a:r>
           </a:p>
           <a:p>
             <a:pPr lvl="1"/>
+            <a:endParaRPr lang="en-US" dirty="0" smtClean="0"/>
+          </a:p>
+          <a:p>
             <a:r>
               <a:rPr lang="en-US" dirty="0" smtClean="0"/>
-              <a:t>Improve performance</a:t>
+              <a:t>Improving anomaly detection reliability</a:t>
             </a:r>
           </a:p>
           <a:p>
@@ -4362,7 +3761,7 @@
           <p:cNvPr id="4" name="Picture 3">
             <a:extLst>
               <a:ext uri="{FF2B5EF4-FFF2-40B4-BE49-F238E27FC236}">
-                <a16:creationId xmlns="" xmlns:a16="http://schemas.microsoft.com/office/drawing/2014/main" id="{1DB5F070-954F-B246-92C2-DBBAF1318929}"/>
+                <a16:creationId xmlns:a16="http://schemas.microsoft.com/office/drawing/2014/main" xmlns="" id="{1DB5F070-954F-B246-92C2-DBBAF1318929}"/>
               </a:ext>
             </a:extLst>
           </p:cNvPr>
@@ -4397,6 +3796,111 @@
   <p:clrMapOvr>
     <a:masterClrMapping/>
   </p:clrMapOvr>
+  <p:timing>
+    <p:tnLst>
+      <p:par>
+        <p:cTn id="1" dur="indefinite" restart="never" nodeType="tmRoot"/>
+      </p:par>
+    </p:tnLst>
+  </p:timing>
+</p:sld>
+</file>
+
+<file path=ppt/slides/slide11.xml><?xml version="1.0" encoding="utf-8"?>
+<p:sld xmlns:a="http://schemas.openxmlformats.org/drawingml/2006/main" xmlns:r="http://schemas.openxmlformats.org/officeDocument/2006/relationships" xmlns:p="http://schemas.openxmlformats.org/presentationml/2006/main">
+  <p:cSld>
+    <p:spTree>
+      <p:nvGrpSpPr>
+        <p:cNvPr id="1" name=""/>
+        <p:cNvGrpSpPr/>
+        <p:nvPr/>
+      </p:nvGrpSpPr>
+      <p:grpSpPr>
+        <a:xfrm>
+          <a:off x="0" y="0"/>
+          <a:ext cx="0" cy="0"/>
+          <a:chOff x="0" y="0"/>
+          <a:chExt cx="0" cy="0"/>
+        </a:xfrm>
+      </p:grpSpPr>
+      <p:sp>
+        <p:nvSpPr>
+          <p:cNvPr id="2" name="Title 1"/>
+          <p:cNvSpPr>
+            <a:spLocks noGrp="1"/>
+          </p:cNvSpPr>
+          <p:nvPr>
+            <p:ph type="title"/>
+          </p:nvPr>
+        </p:nvSpPr>
+        <p:spPr>
+          <a:xfrm>
+            <a:off x="649941" y="2422525"/>
+            <a:ext cx="10515600" cy="1325563"/>
+          </a:xfrm>
+        </p:spPr>
+        <p:txBody>
+          <a:bodyPr>
+            <a:noAutofit/>
+          </a:bodyPr>
+          <a:lstStyle/>
+          <a:p>
+            <a:pPr algn="ctr"/>
+            <a:r>
+              <a:rPr lang="en-US" sz="9600" dirty="0" smtClean="0"/>
+              <a:t>Demo</a:t>
+            </a:r>
+            <a:endParaRPr lang="en-US" sz="9600" dirty="0"/>
+          </a:p>
+        </p:txBody>
+      </p:sp>
+      <p:pic>
+        <p:nvPicPr>
+          <p:cNvPr id="4" name="Picture 3">
+            <a:extLst>
+              <a:ext uri="{FF2B5EF4-FFF2-40B4-BE49-F238E27FC236}">
+                <a16:creationId xmlns:a16="http://schemas.microsoft.com/office/drawing/2014/main" xmlns="" id="{0056138C-987F-684A-938F-5B452E26E6CF}"/>
+              </a:ext>
+            </a:extLst>
+          </p:cNvPr>
+          <p:cNvPicPr>
+            <a:picLocks noChangeAspect="1"/>
+          </p:cNvPicPr>
+          <p:nvPr/>
+        </p:nvPicPr>
+        <p:blipFill>
+          <a:blip r:embed="rId2"/>
+          <a:stretch>
+            <a:fillRect/>
+          </a:stretch>
+        </p:blipFill>
+        <p:spPr>
+          <a:xfrm>
+            <a:off x="10642600" y="5308600"/>
+            <a:ext cx="1549400" cy="1549400"/>
+          </a:xfrm>
+          <a:prstGeom prst="rect">
+            <a:avLst/>
+          </a:prstGeom>
+        </p:spPr>
+      </p:pic>
+    </p:spTree>
+    <p:extLst>
+      <p:ext uri="{BB962C8B-B14F-4D97-AF65-F5344CB8AC3E}">
+        <p14:creationId xmlns:p14="http://schemas.microsoft.com/office/powerpoint/2010/main" val="866447925"/>
+      </p:ext>
+    </p:extLst>
+  </p:cSld>
+  <p:clrMapOvr>
+    <a:masterClrMapping/>
+  </p:clrMapOvr>
+  <p:timing>
+    <p:tnLst>
+      <p:par>
+        <p:cTn id="1" dur="indefinite" restart="never" nodeType="tmRoot"/>
+      </p:par>
+    </p:tnLst>
+  </p:timing>
 </p:sld>
 </file>
 
@@ -4503,7 +4007,7 @@
           <p:cNvPr id="4" name="Picture 3">
             <a:extLst>
               <a:ext uri="{FF2B5EF4-FFF2-40B4-BE49-F238E27FC236}">
-                <a16:creationId xmlns="" xmlns:a16="http://schemas.microsoft.com/office/drawing/2014/main" id="{0056138C-987F-684A-938F-5B452E26E6CF}"/>
+                <a16:creationId xmlns:a16="http://schemas.microsoft.com/office/drawing/2014/main" xmlns="" id="{0056138C-987F-684A-938F-5B452E26E6CF}"/>
               </a:ext>
             </a:extLst>
           </p:cNvPr>
@@ -4533,7 +4037,7 @@
           <p:cNvPr id="5" name="Picture 4">
             <a:extLst>
               <a:ext uri="{FF2B5EF4-FFF2-40B4-BE49-F238E27FC236}">
-                <a16:creationId xmlns="" xmlns:a16="http://schemas.microsoft.com/office/drawing/2014/main" id="{C33F4CFD-AAF0-784F-8D1A-AEFC1C5E590D}"/>
+                <a16:creationId xmlns:a16="http://schemas.microsoft.com/office/drawing/2014/main" xmlns="" id="{C33F4CFD-AAF0-784F-8D1A-AEFC1C5E590D}"/>
               </a:ext>
             </a:extLst>
           </p:cNvPr>
@@ -4563,7 +4067,7 @@
           <p:cNvPr id="6" name="Picture 5">
             <a:extLst>
               <a:ext uri="{FF2B5EF4-FFF2-40B4-BE49-F238E27FC236}">
-                <a16:creationId xmlns="" xmlns:a16="http://schemas.microsoft.com/office/drawing/2014/main" id="{2D375751-A7E1-0648-A61D-70EF4E727BC8}"/>
+                <a16:creationId xmlns:a16="http://schemas.microsoft.com/office/drawing/2014/main" xmlns="" id="{2D375751-A7E1-0648-A61D-70EF4E727BC8}"/>
               </a:ext>
             </a:extLst>
           </p:cNvPr>
@@ -4598,6 +4102,13 @@
   <p:clrMapOvr>
     <a:masterClrMapping/>
   </p:clrMapOvr>
+  <p:timing>
+    <p:tnLst>
+      <p:par>
+        <p:cTn id="1" dur="indefinite" restart="never" nodeType="tmRoot"/>
+      </p:par>
+    </p:tnLst>
+  </p:timing>
 </p:sld>
 </file>
 
@@ -4690,7 +4201,7 @@
           <p:cNvPr id="4" name="Picture 3">
             <a:extLst>
               <a:ext uri="{FF2B5EF4-FFF2-40B4-BE49-F238E27FC236}">
-                <a16:creationId xmlns="" xmlns:a16="http://schemas.microsoft.com/office/drawing/2014/main" id="{0056138C-987F-684A-938F-5B452E26E6CF}"/>
+                <a16:creationId xmlns:a16="http://schemas.microsoft.com/office/drawing/2014/main" xmlns="" id="{0056138C-987F-684A-938F-5B452E26E6CF}"/>
               </a:ext>
             </a:extLst>
           </p:cNvPr>
@@ -4725,6 +4236,13 @@
   <p:clrMapOvr>
     <a:masterClrMapping/>
   </p:clrMapOvr>
+  <p:timing>
+    <p:tnLst>
+      <p:par>
+        <p:cTn id="1" dur="indefinite" restart="never" nodeType="tmRoot"/>
+      </p:par>
+    </p:tnLst>
+  </p:timing>
 </p:sld>
 </file>
 
@@ -4849,7 +4367,7 @@
           <p:cNvPr id="4" name="Picture 3">
             <a:extLst>
               <a:ext uri="{FF2B5EF4-FFF2-40B4-BE49-F238E27FC236}">
-                <a16:creationId xmlns="" xmlns:a16="http://schemas.microsoft.com/office/drawing/2014/main" id="{0056138C-987F-684A-938F-5B452E26E6CF}"/>
+                <a16:creationId xmlns:a16="http://schemas.microsoft.com/office/drawing/2014/main" xmlns="" id="{0056138C-987F-684A-938F-5B452E26E6CF}"/>
               </a:ext>
             </a:extLst>
           </p:cNvPr>
@@ -4884,6 +4402,13 @@
   <p:clrMapOvr>
     <a:masterClrMapping/>
   </p:clrMapOvr>
+  <p:timing>
+    <p:tnLst>
+      <p:par>
+        <p:cTn id="1" dur="indefinite" restart="never" nodeType="tmRoot"/>
+      </p:par>
+    </p:tnLst>
+  </p:timing>
 </p:sld>
 </file>
 
@@ -4914,24 +4439,60 @@
             <p:ph type="title"/>
           </p:nvPr>
         </p:nvSpPr>
-        <p:spPr>
-          <a:xfrm>
-            <a:off x="649941" y="2422525"/>
-            <a:ext cx="10515600" cy="1325563"/>
-          </a:xfrm>
-        </p:spPr>
-        <p:txBody>
-          <a:bodyPr>
-            <a:noAutofit/>
-          </a:bodyPr>
+        <p:spPr/>
+        <p:txBody>
+          <a:bodyPr/>
           <a:lstStyle/>
           <a:p>
             <a:pPr algn="ctr"/>
             <a:r>
-              <a:rPr lang="en-US" sz="9600" dirty="0" smtClean="0"/>
-              <a:t>Demo</a:t>
-            </a:r>
-            <a:endParaRPr lang="en-US" sz="9600" dirty="0"/>
+              <a:rPr lang="en-US" smtClean="0"/>
+              <a:t>Database Integrations</a:t>
+            </a:r>
+            <a:endParaRPr lang="en-US" dirty="0"/>
+          </a:p>
+        </p:txBody>
+      </p:sp>
+      <p:sp>
+        <p:nvSpPr>
+          <p:cNvPr id="3" name="Content Placeholder 2"/>
+          <p:cNvSpPr>
+            <a:spLocks noGrp="1"/>
+          </p:cNvSpPr>
+          <p:nvPr>
+            <p:ph idx="1"/>
+          </p:nvPr>
+        </p:nvSpPr>
+        <p:spPr/>
+        <p:txBody>
+          <a:bodyPr/>
+          <a:lstStyle/>
+          <a:p>
+            <a:r>
+              <a:rPr lang="en-US" dirty="0" smtClean="0"/>
+              <a:t>Added integration for </a:t>
+            </a:r>
+            <a:r>
+              <a:rPr lang="en-US" dirty="0" err="1" smtClean="0"/>
+              <a:t>postgreSQL</a:t>
+            </a:r>
+            <a:r>
+              <a:rPr lang="en-US" dirty="0" smtClean="0"/>
+              <a:t> databases</a:t>
+            </a:r>
+          </a:p>
+          <a:p>
+            <a:r>
+              <a:rPr lang="en-US" dirty="0" err="1" smtClean="0"/>
+              <a:t>Psycopg</a:t>
+            </a:r>
+            <a:r>
+              <a:rPr lang="en-US" dirty="0" smtClean="0"/>
+              <a:t> connector leveraged</a:t>
+            </a:r>
+          </a:p>
+          <a:p>
+            <a:endParaRPr lang="en-US" dirty="0" smtClean="0"/>
           </a:p>
         </p:txBody>
       </p:sp>
@@ -4940,134 +4501,7 @@
           <p:cNvPr id="4" name="Picture 3">
             <a:extLst>
               <a:ext uri="{FF2B5EF4-FFF2-40B4-BE49-F238E27FC236}">
-                <a16:creationId xmlns="" xmlns:a16="http://schemas.microsoft.com/office/drawing/2014/main" id="{0056138C-987F-684A-938F-5B452E26E6CF}"/>
-              </a:ext>
-            </a:extLst>
-          </p:cNvPr>
-          <p:cNvPicPr>
-            <a:picLocks noChangeAspect="1"/>
-          </p:cNvPicPr>
-          <p:nvPr/>
-        </p:nvPicPr>
-        <p:blipFill>
-          <a:blip r:embed="rId2"/>
-          <a:stretch>
-            <a:fillRect/>
-          </a:stretch>
-        </p:blipFill>
-        <p:spPr>
-          <a:xfrm>
-            <a:off x="10642600" y="5308600"/>
-            <a:ext cx="1549400" cy="1549400"/>
-          </a:xfrm>
-          <a:prstGeom prst="rect">
-            <a:avLst/>
-          </a:prstGeom>
-        </p:spPr>
-      </p:pic>
-    </p:spTree>
-    <p:extLst>
-      <p:ext uri="{BB962C8B-B14F-4D97-AF65-F5344CB8AC3E}">
-        <p14:creationId xmlns:p14="http://schemas.microsoft.com/office/powerpoint/2010/main" val="866447925"/>
-      </p:ext>
-    </p:extLst>
-  </p:cSld>
-  <p:clrMapOvr>
-    <a:masterClrMapping/>
-  </p:clrMapOvr>
-</p:sld>
-</file>
-
-<file path=ppt/slides/slide6.xml><?xml version="1.0" encoding="utf-8"?>
-<p:sld xmlns:a="http://schemas.openxmlformats.org/drawingml/2006/main" xmlns:r="http://schemas.openxmlformats.org/officeDocument/2006/relationships" xmlns:p="http://schemas.openxmlformats.org/presentationml/2006/main">
-  <p:cSld>
-    <p:spTree>
-      <p:nvGrpSpPr>
-        <p:cNvPr id="1" name=""/>
-        <p:cNvGrpSpPr/>
-        <p:nvPr/>
-      </p:nvGrpSpPr>
-      <p:grpSpPr>
-        <a:xfrm>
-          <a:off x="0" y="0"/>
-          <a:ext cx="0" cy="0"/>
-          <a:chOff x="0" y="0"/>
-          <a:chExt cx="0" cy="0"/>
-        </a:xfrm>
-      </p:grpSpPr>
-      <p:sp>
-        <p:nvSpPr>
-          <p:cNvPr id="2" name="Title 1"/>
-          <p:cNvSpPr>
-            <a:spLocks noGrp="1"/>
-          </p:cNvSpPr>
-          <p:nvPr>
-            <p:ph type="title"/>
-          </p:nvPr>
-        </p:nvSpPr>
-        <p:spPr/>
-        <p:txBody>
-          <a:bodyPr/>
-          <a:lstStyle/>
-          <a:p>
-            <a:pPr algn="ctr"/>
-            <a:r>
-              <a:rPr lang="en-US" smtClean="0"/>
-              <a:t>Database Integrations</a:t>
-            </a:r>
-            <a:endParaRPr lang="en-US" dirty="0"/>
-          </a:p>
-        </p:txBody>
-      </p:sp>
-      <p:sp>
-        <p:nvSpPr>
-          <p:cNvPr id="3" name="Content Placeholder 2"/>
-          <p:cNvSpPr>
-            <a:spLocks noGrp="1"/>
-          </p:cNvSpPr>
-          <p:nvPr>
-            <p:ph idx="1"/>
-          </p:nvPr>
-        </p:nvSpPr>
-        <p:spPr/>
-        <p:txBody>
-          <a:bodyPr/>
-          <a:lstStyle/>
-          <a:p>
-            <a:r>
-              <a:rPr lang="en-US" dirty="0" smtClean="0"/>
-              <a:t>Added integration for </a:t>
-            </a:r>
-            <a:r>
-              <a:rPr lang="en-US" dirty="0" err="1" smtClean="0"/>
-              <a:t>postgreSQL</a:t>
-            </a:r>
-            <a:r>
-              <a:rPr lang="en-US" dirty="0" smtClean="0"/>
-              <a:t> databases</a:t>
-            </a:r>
-          </a:p>
-          <a:p>
-            <a:r>
-              <a:rPr lang="en-US" dirty="0" err="1" smtClean="0"/>
-              <a:t>Psycopg</a:t>
-            </a:r>
-            <a:r>
-              <a:rPr lang="en-US" dirty="0" smtClean="0"/>
-              <a:t> connector leveraged</a:t>
-            </a:r>
-          </a:p>
-          <a:p>
-            <a:endParaRPr lang="en-US" dirty="0" smtClean="0"/>
-          </a:p>
-        </p:txBody>
-      </p:sp>
-      <p:pic>
-        <p:nvPicPr>
-          <p:cNvPr id="4" name="Picture 3">
-            <a:extLst>
-              <a:ext uri="{FF2B5EF4-FFF2-40B4-BE49-F238E27FC236}">
-                <a16:creationId xmlns="" xmlns:a16="http://schemas.microsoft.com/office/drawing/2014/main" id="{0056138C-987F-684A-938F-5B452E26E6CF}"/>
+                <a16:creationId xmlns:a16="http://schemas.microsoft.com/office/drawing/2014/main" xmlns="" id="{0056138C-987F-684A-938F-5B452E26E6CF}"/>
               </a:ext>
             </a:extLst>
           </p:cNvPr>
@@ -5102,10 +4536,17 @@
   <p:clrMapOvr>
     <a:masterClrMapping/>
   </p:clrMapOvr>
+  <p:timing>
+    <p:tnLst>
+      <p:par>
+        <p:cTn id="1" dur="indefinite" restart="never" nodeType="tmRoot"/>
+      </p:par>
+    </p:tnLst>
+  </p:timing>
 </p:sld>
 </file>
 
-<file path=ppt/slides/slide7.xml><?xml version="1.0" encoding="utf-8"?>
+<file path=ppt/slides/slide6.xml><?xml version="1.0" encoding="utf-8"?>
 <p:sld xmlns:a="http://schemas.openxmlformats.org/drawingml/2006/main" xmlns:r="http://schemas.openxmlformats.org/officeDocument/2006/relationships" xmlns:p="http://schemas.openxmlformats.org/presentationml/2006/main">
   <p:cSld>
     <p:spTree>
@@ -5212,7 +4653,7 @@
           <p:cNvPr id="4" name="Picture 3">
             <a:extLst>
               <a:ext uri="{FF2B5EF4-FFF2-40B4-BE49-F238E27FC236}">
-                <a16:creationId xmlns="" xmlns:a16="http://schemas.microsoft.com/office/drawing/2014/main" id="{0056138C-987F-684A-938F-5B452E26E6CF}"/>
+                <a16:creationId xmlns:a16="http://schemas.microsoft.com/office/drawing/2014/main" xmlns="" id="{0056138C-987F-684A-938F-5B452E26E6CF}"/>
               </a:ext>
             </a:extLst>
           </p:cNvPr>
@@ -5318,10 +4759,17 @@
   <p:clrMapOvr>
     <a:masterClrMapping/>
   </p:clrMapOvr>
+  <p:timing>
+    <p:tnLst>
+      <p:par>
+        <p:cTn id="1" dur="indefinite" restart="never" nodeType="tmRoot"/>
+      </p:par>
+    </p:tnLst>
+  </p:timing>
 </p:sld>
 </file>
 
-<file path=ppt/slides/slide8.xml><?xml version="1.0" encoding="utf-8"?>
+<file path=ppt/slides/slide7.xml><?xml version="1.0" encoding="utf-8"?>
 <p:sld xmlns:a="http://schemas.openxmlformats.org/drawingml/2006/main" xmlns:r="http://schemas.openxmlformats.org/officeDocument/2006/relationships" xmlns:p="http://schemas.openxmlformats.org/presentationml/2006/main">
   <p:cSld>
     <p:spTree>
@@ -5396,7 +4844,7 @@
           <p:cNvPr id="4" name="Picture 3">
             <a:extLst>
               <a:ext uri="{FF2B5EF4-FFF2-40B4-BE49-F238E27FC236}">
-                <a16:creationId xmlns="" xmlns:a16="http://schemas.microsoft.com/office/drawing/2014/main" id="{0056138C-987F-684A-938F-5B452E26E6CF}"/>
+                <a16:creationId xmlns:a16="http://schemas.microsoft.com/office/drawing/2014/main" xmlns="" id="{0056138C-987F-684A-938F-5B452E26E6CF}"/>
               </a:ext>
             </a:extLst>
           </p:cNvPr>
@@ -5431,10 +4879,17 @@
   <p:clrMapOvr>
     <a:masterClrMapping/>
   </p:clrMapOvr>
+  <p:timing>
+    <p:tnLst>
+      <p:par>
+        <p:cTn id="1" dur="indefinite" restart="never" nodeType="tmRoot"/>
+      </p:par>
+    </p:tnLst>
+  </p:timing>
 </p:sld>
 </file>
 
-<file path=ppt/slides/slide9.xml><?xml version="1.0" encoding="utf-8"?>
+<file path=ppt/slides/slide8.xml><?xml version="1.0" encoding="utf-8"?>
 <p:sld xmlns:a="http://schemas.openxmlformats.org/drawingml/2006/main" xmlns:r="http://schemas.openxmlformats.org/officeDocument/2006/relationships" xmlns:p="http://schemas.openxmlformats.org/presentationml/2006/main">
   <p:cSld>
     <p:spTree>
@@ -5480,7 +4935,7 @@
           <p:cNvPr id="4" name="Picture 3">
             <a:extLst>
               <a:ext uri="{FF2B5EF4-FFF2-40B4-BE49-F238E27FC236}">
-                <a16:creationId xmlns="" xmlns:a16="http://schemas.microsoft.com/office/drawing/2014/main" id="{0056138C-987F-684A-938F-5B452E26E6CF}"/>
+                <a16:creationId xmlns:a16="http://schemas.microsoft.com/office/drawing/2014/main" xmlns="" id="{0056138C-987F-684A-938F-5B452E26E6CF}"/>
               </a:ext>
             </a:extLst>
           </p:cNvPr>
@@ -5580,6 +5035,643 @@
   <p:clrMapOvr>
     <a:masterClrMapping/>
   </p:clrMapOvr>
+  <p:timing>
+    <p:tnLst>
+      <p:par>
+        <p:cTn id="1" dur="indefinite" restart="never" nodeType="tmRoot"/>
+      </p:par>
+    </p:tnLst>
+  </p:timing>
+</p:sld>
+</file>
+
+<file path=ppt/slides/slide9.xml><?xml version="1.0" encoding="utf-8"?>
+<p:sld xmlns:a="http://schemas.openxmlformats.org/drawingml/2006/main" xmlns:r="http://schemas.openxmlformats.org/officeDocument/2006/relationships" xmlns:p="http://schemas.openxmlformats.org/presentationml/2006/main">
+  <p:cSld>
+    <p:spTree>
+      <p:nvGrpSpPr>
+        <p:cNvPr id="1" name=""/>
+        <p:cNvGrpSpPr/>
+        <p:nvPr/>
+      </p:nvGrpSpPr>
+      <p:grpSpPr>
+        <a:xfrm>
+          <a:off x="0" y="0"/>
+          <a:ext cx="0" cy="0"/>
+          <a:chOff x="0" y="0"/>
+          <a:chExt cx="0" cy="0"/>
+        </a:xfrm>
+      </p:grpSpPr>
+      <p:sp>
+        <p:nvSpPr>
+          <p:cNvPr id="2" name="Title 1"/>
+          <p:cNvSpPr>
+            <a:spLocks noGrp="1"/>
+          </p:cNvSpPr>
+          <p:nvPr>
+            <p:ph type="title"/>
+          </p:nvPr>
+        </p:nvSpPr>
+        <p:spPr/>
+        <p:txBody>
+          <a:bodyPr/>
+          <a:lstStyle/>
+          <a:p>
+            <a:pPr algn="ctr"/>
+            <a:r>
+              <a:rPr lang="en-US" dirty="0" smtClean="0"/>
+              <a:t>Technologies</a:t>
+            </a:r>
+            <a:endParaRPr lang="en-US" dirty="0"/>
+          </a:p>
+        </p:txBody>
+      </p:sp>
+      <p:sp>
+        <p:nvSpPr>
+          <p:cNvPr id="3" name="Content Placeholder 2"/>
+          <p:cNvSpPr>
+            <a:spLocks noGrp="1"/>
+          </p:cNvSpPr>
+          <p:nvPr>
+            <p:ph idx="1"/>
+          </p:nvPr>
+        </p:nvSpPr>
+        <p:spPr/>
+        <p:txBody>
+          <a:bodyPr>
+            <a:normAutofit fontScale="62500" lnSpcReduction="20000"/>
+          </a:bodyPr>
+          <a:lstStyle/>
+          <a:p>
+            <a:r>
+              <a:rPr lang="en-US" dirty="0"/>
+              <a:t>Python</a:t>
+            </a:r>
+          </a:p>
+          <a:p>
+            <a:endParaRPr lang="en-US" dirty="0" smtClean="0"/>
+          </a:p>
+          <a:p>
+            <a:r>
+              <a:rPr lang="en-US" dirty="0" smtClean="0"/>
+              <a:t>Flask</a:t>
+            </a:r>
+            <a:endParaRPr lang="en-US" dirty="0"/>
+          </a:p>
+          <a:p>
+            <a:endParaRPr lang="en-US" dirty="0"/>
+          </a:p>
+          <a:p>
+            <a:r>
+              <a:rPr lang="en-US" dirty="0"/>
+              <a:t>GitHub</a:t>
+            </a:r>
+          </a:p>
+          <a:p>
+            <a:endParaRPr lang="en-US" dirty="0"/>
+          </a:p>
+          <a:p>
+            <a:r>
+              <a:rPr lang="en-US" dirty="0" smtClean="0"/>
+              <a:t>MySQL</a:t>
+            </a:r>
+            <a:endParaRPr lang="en-US" dirty="0"/>
+          </a:p>
+          <a:p>
+            <a:endParaRPr lang="en-US" dirty="0" smtClean="0"/>
+          </a:p>
+          <a:p>
+            <a:r>
+              <a:rPr lang="en-US" dirty="0" smtClean="0"/>
+              <a:t>PostgreSQL</a:t>
+            </a:r>
+            <a:endParaRPr lang="en-US" dirty="0"/>
+          </a:p>
+          <a:p>
+            <a:endParaRPr lang="en-US" dirty="0"/>
+          </a:p>
+          <a:p>
+            <a:r>
+              <a:rPr lang="en-US" dirty="0"/>
+              <a:t>Slack </a:t>
+            </a:r>
+            <a:r>
+              <a:rPr lang="en-US" dirty="0" smtClean="0"/>
+              <a:t>API</a:t>
+            </a:r>
+          </a:p>
+          <a:p>
+            <a:endParaRPr lang="en-US" dirty="0" smtClean="0"/>
+          </a:p>
+          <a:p>
+            <a:r>
+              <a:rPr lang="en-US" dirty="0" smtClean="0"/>
+              <a:t>AWS</a:t>
+            </a:r>
+          </a:p>
+        </p:txBody>
+      </p:sp>
+      <p:pic>
+        <p:nvPicPr>
+          <p:cNvPr id="4" name="Picture 3">
+            <a:extLst>
+              <a:ext uri="{FF2B5EF4-FFF2-40B4-BE49-F238E27FC236}">
+                <a16:creationId xmlns:a16="http://schemas.microsoft.com/office/drawing/2014/main" xmlns="" id="{E4AEDFE2-2953-F54B-B6FB-1C4BD361B3F7}"/>
+              </a:ext>
+            </a:extLst>
+          </p:cNvPr>
+          <p:cNvPicPr>
+            <a:picLocks noChangeAspect="1"/>
+          </p:cNvPicPr>
+          <p:nvPr/>
+        </p:nvPicPr>
+        <p:blipFill>
+          <a:blip r:embed="rId3"/>
+          <a:stretch>
+            <a:fillRect/>
+          </a:stretch>
+        </p:blipFill>
+        <p:spPr>
+          <a:xfrm>
+            <a:off x="10642600" y="5308600"/>
+            <a:ext cx="1549400" cy="1549400"/>
+          </a:xfrm>
+          <a:prstGeom prst="rect">
+            <a:avLst/>
+          </a:prstGeom>
+        </p:spPr>
+      </p:pic>
+      <p:pic>
+        <p:nvPicPr>
+          <p:cNvPr id="1026" name="Picture 2" descr="mage result for python image"/>
+          <p:cNvPicPr>
+            <a:picLocks noChangeAspect="1" noChangeArrowheads="1"/>
+          </p:cNvPicPr>
+          <p:nvPr/>
+        </p:nvPicPr>
+        <p:blipFill>
+          <a:blip r:embed="rId4">
+            <a:extLst>
+              <a:ext uri="{28A0092B-C50C-407E-A947-70E740481C1C}">
+                <a14:useLocalDpi xmlns:a14="http://schemas.microsoft.com/office/drawing/2010/main" val="0"/>
+              </a:ext>
+            </a:extLst>
+          </a:blip>
+          <a:srcRect/>
+          <a:stretch>
+            <a:fillRect/>
+          </a:stretch>
+        </p:blipFill>
+        <p:spPr bwMode="auto">
+          <a:xfrm>
+            <a:off x="7412476" y="1611180"/>
+            <a:ext cx="963579" cy="974820"/>
+          </a:xfrm>
+          <a:prstGeom prst="rect">
+            <a:avLst/>
+          </a:prstGeom>
+          <a:noFill/>
+          <a:extLst>
+            <a:ext uri="{909E8E84-426E-40DD-AFC4-6F175D3DCCD1}">
+              <a14:hiddenFill xmlns:a14="http://schemas.microsoft.com/office/drawing/2010/main">
+                <a:solidFill>
+                  <a:srgbClr val="FFFFFF"/>
+                </a:solidFill>
+              </a14:hiddenFill>
+            </a:ext>
+          </a:extLst>
+        </p:spPr>
+      </p:pic>
+      <p:sp>
+        <p:nvSpPr>
+          <p:cNvPr id="5" name="AutoShape 4" descr="mage result for mysql logo"/>
+          <p:cNvSpPr>
+            <a:spLocks noChangeAspect="1" noChangeArrowheads="1"/>
+          </p:cNvSpPr>
+          <p:nvPr/>
+        </p:nvSpPr>
+        <p:spPr bwMode="auto">
+          <a:xfrm>
+            <a:off x="0" y="0"/>
+            <a:ext cx="304800" cy="304800"/>
+          </a:xfrm>
+          <a:prstGeom prst="rect">
+            <a:avLst/>
+          </a:prstGeom>
+          <a:noFill/>
+          <a:extLst>
+            <a:ext uri="{909E8E84-426E-40DD-AFC4-6F175D3DCCD1}">
+              <a14:hiddenFill xmlns:a14="http://schemas.microsoft.com/office/drawing/2010/main">
+                <a:solidFill>
+                  <a:srgbClr val="FFFFFF"/>
+                </a:solidFill>
+              </a14:hiddenFill>
+            </a:ext>
+          </a:extLst>
+        </p:spPr>
+        <p:txBody>
+          <a:bodyPr vert="horz" wrap="square" lIns="91440" tIns="45720" rIns="91440" bIns="45720" numCol="1" anchor="t" anchorCtr="0" compatLnSpc="1">
+            <a:prstTxWarp prst="textNoShape">
+              <a:avLst/>
+            </a:prstTxWarp>
+          </a:bodyPr>
+          <a:lstStyle/>
+          <a:p>
+            <a:endParaRPr lang="en-US"/>
+          </a:p>
+        </p:txBody>
+      </p:sp>
+      <p:sp>
+        <p:nvSpPr>
+          <p:cNvPr id="7" name="AutoShape 8" descr="mage result for mysql logo"/>
+          <p:cNvSpPr>
+            <a:spLocks noChangeAspect="1" noChangeArrowheads="1"/>
+          </p:cNvSpPr>
+          <p:nvPr/>
+        </p:nvSpPr>
+        <p:spPr bwMode="auto">
+          <a:xfrm>
+            <a:off x="152400" y="152400"/>
+            <a:ext cx="304800" cy="304800"/>
+          </a:xfrm>
+          <a:prstGeom prst="rect">
+            <a:avLst/>
+          </a:prstGeom>
+          <a:noFill/>
+          <a:extLst>
+            <a:ext uri="{909E8E84-426E-40DD-AFC4-6F175D3DCCD1}">
+              <a14:hiddenFill xmlns:a14="http://schemas.microsoft.com/office/drawing/2010/main">
+                <a:solidFill>
+                  <a:srgbClr val="FFFFFF"/>
+                </a:solidFill>
+              </a14:hiddenFill>
+            </a:ext>
+          </a:extLst>
+        </p:spPr>
+        <p:txBody>
+          <a:bodyPr vert="horz" wrap="square" lIns="91440" tIns="45720" rIns="91440" bIns="45720" numCol="1" anchor="t" anchorCtr="0" compatLnSpc="1">
+            <a:prstTxWarp prst="textNoShape">
+              <a:avLst/>
+            </a:prstTxWarp>
+          </a:bodyPr>
+          <a:lstStyle/>
+          <a:p>
+            <a:endParaRPr lang="en-US"/>
+          </a:p>
+        </p:txBody>
+      </p:sp>
+      <p:pic>
+        <p:nvPicPr>
+          <p:cNvPr id="1034" name="Picture 10" descr="mage result for mysql logo"/>
+          <p:cNvPicPr>
+            <a:picLocks noChangeAspect="1" noChangeArrowheads="1"/>
+          </p:cNvPicPr>
+          <p:nvPr/>
+        </p:nvPicPr>
+        <p:blipFill>
+          <a:blip r:embed="rId5">
+            <a:extLst>
+              <a:ext uri="{28A0092B-C50C-407E-A947-70E740481C1C}">
+                <a14:useLocalDpi xmlns:a14="http://schemas.microsoft.com/office/drawing/2010/main" val="0"/>
+              </a:ext>
+            </a:extLst>
+          </a:blip>
+          <a:srcRect/>
+          <a:stretch>
+            <a:fillRect/>
+          </a:stretch>
+        </p:blipFill>
+        <p:spPr bwMode="auto">
+          <a:xfrm>
+            <a:off x="5137134" y="2920928"/>
+            <a:ext cx="1917732" cy="989230"/>
+          </a:xfrm>
+          <a:prstGeom prst="rect">
+            <a:avLst/>
+          </a:prstGeom>
+          <a:noFill/>
+          <a:extLst>
+            <a:ext uri="{909E8E84-426E-40DD-AFC4-6F175D3DCCD1}">
+              <a14:hiddenFill xmlns:a14="http://schemas.microsoft.com/office/drawing/2010/main">
+                <a:solidFill>
+                  <a:srgbClr val="FFFFFF"/>
+                </a:solidFill>
+              </a14:hiddenFill>
+            </a:ext>
+          </a:extLst>
+        </p:spPr>
+      </p:pic>
+      <p:pic>
+        <p:nvPicPr>
+          <p:cNvPr id="1042" name="Picture 18" descr="mage result for slack image"/>
+          <p:cNvPicPr>
+            <a:picLocks noChangeAspect="1" noChangeArrowheads="1"/>
+          </p:cNvPicPr>
+          <p:nvPr/>
+        </p:nvPicPr>
+        <p:blipFill>
+          <a:blip r:embed="rId6">
+            <a:extLst>
+              <a:ext uri="{28A0092B-C50C-407E-A947-70E740481C1C}">
+                <a14:useLocalDpi xmlns:a14="http://schemas.microsoft.com/office/drawing/2010/main" val="0"/>
+              </a:ext>
+            </a:extLst>
+          </a:blip>
+          <a:srcRect/>
+          <a:stretch>
+            <a:fillRect/>
+          </a:stretch>
+        </p:blipFill>
+        <p:spPr bwMode="auto">
+          <a:xfrm>
+            <a:off x="5244375" y="3626008"/>
+            <a:ext cx="1797843" cy="1797843"/>
+          </a:xfrm>
+          <a:prstGeom prst="rect">
+            <a:avLst/>
+          </a:prstGeom>
+          <a:noFill/>
+          <a:extLst>
+            <a:ext uri="{909E8E84-426E-40DD-AFC4-6F175D3DCCD1}">
+              <a14:hiddenFill xmlns:a14="http://schemas.microsoft.com/office/drawing/2010/main">
+                <a:solidFill>
+                  <a:srgbClr val="FFFFFF"/>
+                </a:solidFill>
+              </a14:hiddenFill>
+            </a:ext>
+          </a:extLst>
+        </p:spPr>
+      </p:pic>
+      <p:sp>
+        <p:nvSpPr>
+          <p:cNvPr id="11" name="AutoShape 20" descr="mage result for github logo"/>
+          <p:cNvSpPr>
+            <a:spLocks noChangeAspect="1" noChangeArrowheads="1"/>
+          </p:cNvSpPr>
+          <p:nvPr/>
+        </p:nvSpPr>
+        <p:spPr bwMode="auto">
+          <a:xfrm>
+            <a:off x="304800" y="304800"/>
+            <a:ext cx="304800" cy="304800"/>
+          </a:xfrm>
+          <a:prstGeom prst="rect">
+            <a:avLst/>
+          </a:prstGeom>
+          <a:noFill/>
+          <a:extLst>
+            <a:ext uri="{909E8E84-426E-40DD-AFC4-6F175D3DCCD1}">
+              <a14:hiddenFill xmlns:a14="http://schemas.microsoft.com/office/drawing/2010/main">
+                <a:solidFill>
+                  <a:srgbClr val="FFFFFF"/>
+                </a:solidFill>
+              </a14:hiddenFill>
+            </a:ext>
+          </a:extLst>
+        </p:spPr>
+        <p:txBody>
+          <a:bodyPr vert="horz" wrap="square" lIns="91440" tIns="45720" rIns="91440" bIns="45720" numCol="1" anchor="t" anchorCtr="0" compatLnSpc="1">
+            <a:prstTxWarp prst="textNoShape">
+              <a:avLst/>
+            </a:prstTxWarp>
+          </a:bodyPr>
+          <a:lstStyle/>
+          <a:p>
+            <a:endParaRPr lang="en-US"/>
+          </a:p>
+        </p:txBody>
+      </p:sp>
+      <p:pic>
+        <p:nvPicPr>
+          <p:cNvPr id="1046" name="Picture 22" descr="mage result for github logo"/>
+          <p:cNvPicPr>
+            <a:picLocks noChangeAspect="1" noChangeArrowheads="1"/>
+          </p:cNvPicPr>
+          <p:nvPr/>
+        </p:nvPicPr>
+        <p:blipFill>
+          <a:blip r:embed="rId7">
+            <a:extLst>
+              <a:ext uri="{28A0092B-C50C-407E-A947-70E740481C1C}">
+                <a14:useLocalDpi xmlns:a14="http://schemas.microsoft.com/office/drawing/2010/main" val="0"/>
+              </a:ext>
+            </a:extLst>
+          </a:blip>
+          <a:srcRect/>
+          <a:stretch>
+            <a:fillRect/>
+          </a:stretch>
+        </p:blipFill>
+        <p:spPr bwMode="auto">
+          <a:xfrm>
+            <a:off x="7357676" y="2846388"/>
+            <a:ext cx="1169192" cy="1169192"/>
+          </a:xfrm>
+          <a:prstGeom prst="rect">
+            <a:avLst/>
+          </a:prstGeom>
+          <a:noFill/>
+          <a:extLst>
+            <a:ext uri="{909E8E84-426E-40DD-AFC4-6F175D3DCCD1}">
+              <a14:hiddenFill xmlns:a14="http://schemas.microsoft.com/office/drawing/2010/main">
+                <a:solidFill>
+                  <a:srgbClr val="FFFFFF"/>
+                </a:solidFill>
+              </a14:hiddenFill>
+            </a:ext>
+          </a:extLst>
+        </p:spPr>
+      </p:pic>
+      <p:pic>
+        <p:nvPicPr>
+          <p:cNvPr id="4098" name="Picture 2" descr="mage result for flask python"/>
+          <p:cNvPicPr>
+            <a:picLocks noChangeAspect="1" noChangeArrowheads="1"/>
+          </p:cNvPicPr>
+          <p:nvPr/>
+        </p:nvPicPr>
+        <p:blipFill>
+          <a:blip r:embed="rId8">
+            <a:extLst>
+              <a:ext uri="{28A0092B-C50C-407E-A947-70E740481C1C}">
+                <a14:useLocalDpi xmlns:a14="http://schemas.microsoft.com/office/drawing/2010/main" val="0"/>
+              </a:ext>
+            </a:extLst>
+          </a:blip>
+          <a:srcRect/>
+          <a:stretch>
+            <a:fillRect/>
+          </a:stretch>
+        </p:blipFill>
+        <p:spPr bwMode="auto">
+          <a:xfrm>
+            <a:off x="5521841" y="1673410"/>
+            <a:ext cx="1520234" cy="850359"/>
+          </a:xfrm>
+          <a:prstGeom prst="rect">
+            <a:avLst/>
+          </a:prstGeom>
+          <a:noFill/>
+          <a:extLst>
+            <a:ext uri="{909E8E84-426E-40DD-AFC4-6F175D3DCCD1}">
+              <a14:hiddenFill xmlns:a14="http://schemas.microsoft.com/office/drawing/2010/main">
+                <a:solidFill>
+                  <a:srgbClr val="FFFFFF"/>
+                </a:solidFill>
+              </a14:hiddenFill>
+            </a:ext>
+          </a:extLst>
+        </p:spPr>
+      </p:pic>
+      <p:sp>
+        <p:nvSpPr>
+          <p:cNvPr id="17" name="Title 1"/>
+          <p:cNvSpPr txBox="1">
+            <a:spLocks/>
+          </p:cNvSpPr>
+          <p:nvPr/>
+        </p:nvSpPr>
+        <p:spPr>
+          <a:xfrm>
+            <a:off x="838200" y="365125"/>
+            <a:ext cx="10515600" cy="1325563"/>
+          </a:xfrm>
+          <a:prstGeom prst="rect">
+            <a:avLst/>
+          </a:prstGeom>
+        </p:spPr>
+        <p:txBody>
+          <a:bodyPr vert="horz" lIns="91440" tIns="45720" rIns="91440" bIns="45720" rtlCol="0" anchor="ctr">
+            <a:normAutofit/>
+          </a:bodyPr>
+          <a:lstStyle>
+            <a:lvl1pPr algn="l" defTabSz="914400" rtl="0" eaLnBrk="1" latinLnBrk="0" hangingPunct="1">
+              <a:lnSpc>
+                <a:spcPct val="90000"/>
+              </a:lnSpc>
+              <a:spcBef>
+                <a:spcPct val="0"/>
+              </a:spcBef>
+              <a:buNone/>
+              <a:defRPr sz="4400" kern="1200">
+                <a:solidFill>
+                  <a:schemeClr val="tx1"/>
+                </a:solidFill>
+                <a:latin typeface="+mj-lt"/>
+                <a:ea typeface="+mj-ea"/>
+                <a:cs typeface="+mj-cs"/>
+              </a:defRPr>
+            </a:lvl1pPr>
+          </a:lstStyle>
+          <a:p>
+            <a:pPr algn="ctr"/>
+            <a:r>
+              <a:rPr lang="en-US" smtClean="0"/>
+              <a:t>Technologies</a:t>
+            </a:r>
+            <a:endParaRPr lang="en-US" dirty="0"/>
+          </a:p>
+        </p:txBody>
+      </p:sp>
+      <p:pic>
+        <p:nvPicPr>
+          <p:cNvPr id="18" name="Picture 8" descr="mage result for postgresql"/>
+          <p:cNvPicPr>
+            <a:picLocks noChangeAspect="1" noChangeArrowheads="1"/>
+          </p:cNvPicPr>
+          <p:nvPr/>
+        </p:nvPicPr>
+        <p:blipFill>
+          <a:blip r:embed="rId9">
+            <a:extLst>
+              <a:ext uri="{28A0092B-C50C-407E-A947-70E740481C1C}">
+                <a14:useLocalDpi xmlns:a14="http://schemas.microsoft.com/office/drawing/2010/main" val="0"/>
+              </a:ext>
+            </a:extLst>
+          </a:blip>
+          <a:srcRect/>
+          <a:stretch>
+            <a:fillRect/>
+          </a:stretch>
+        </p:blipFill>
+        <p:spPr bwMode="auto">
+          <a:xfrm>
+            <a:off x="7273363" y="4150517"/>
+            <a:ext cx="1241803" cy="965847"/>
+          </a:xfrm>
+          <a:prstGeom prst="rect">
+            <a:avLst/>
+          </a:prstGeom>
+          <a:noFill/>
+          <a:extLst>
+            <a:ext uri="{909E8E84-426E-40DD-AFC4-6F175D3DCCD1}">
+              <a14:hiddenFill xmlns:a14="http://schemas.microsoft.com/office/drawing/2010/main">
+                <a:solidFill>
+                  <a:srgbClr val="FFFFFF"/>
+                </a:solidFill>
+              </a14:hiddenFill>
+            </a:ext>
+          </a:extLst>
+        </p:spPr>
+      </p:pic>
+      <p:pic>
+        <p:nvPicPr>
+          <p:cNvPr id="4106" name="Picture 10" descr="mage result for AWS"/>
+          <p:cNvPicPr>
+            <a:picLocks noChangeAspect="1" noChangeArrowheads="1"/>
+          </p:cNvPicPr>
+          <p:nvPr/>
+        </p:nvPicPr>
+        <p:blipFill>
+          <a:blip r:embed="rId10">
+            <a:extLst>
+              <a:ext uri="{28A0092B-C50C-407E-A947-70E740481C1C}">
+                <a14:useLocalDpi xmlns:a14="http://schemas.microsoft.com/office/drawing/2010/main" val="0"/>
+              </a:ext>
+            </a:extLst>
+          </a:blip>
+          <a:srcRect/>
+          <a:stretch>
+            <a:fillRect/>
+          </a:stretch>
+        </p:blipFill>
+        <p:spPr bwMode="auto">
+          <a:xfrm>
+            <a:off x="5297396" y="5308600"/>
+            <a:ext cx="2115079" cy="1265522"/>
+          </a:xfrm>
+          <a:prstGeom prst="rect">
+            <a:avLst/>
+          </a:prstGeom>
+          <a:noFill/>
+          <a:extLst>
+            <a:ext uri="{909E8E84-426E-40DD-AFC4-6F175D3DCCD1}">
+              <a14:hiddenFill xmlns:a14="http://schemas.microsoft.com/office/drawing/2010/main">
+                <a:solidFill>
+                  <a:srgbClr val="FFFFFF"/>
+                </a:solidFill>
+              </a14:hiddenFill>
+            </a:ext>
+          </a:extLst>
+        </p:spPr>
+      </p:pic>
+    </p:spTree>
+    <p:extLst>
+      <p:ext uri="{BB962C8B-B14F-4D97-AF65-F5344CB8AC3E}">
+        <p14:creationId xmlns:p14="http://schemas.microsoft.com/office/powerpoint/2010/main" val="1150571277"/>
+      </p:ext>
+    </p:extLst>
+  </p:cSld>
+  <p:clrMapOvr>
+    <a:masterClrMapping/>
+  </p:clrMapOvr>
+  <p:timing>
+    <p:tnLst>
+      <p:par>
+        <p:cTn id="1" dur="indefinite" restart="never" nodeType="tmRoot"/>
+      </p:par>
+    </p:tnLst>
+  </p:timing>
 </p:sld>
 </file>
 
